--- a/lectures/04/Дружественные функции и классы. Перегрузка операций.pptx
+++ b/lectures/04/Дружественные функции и классы. Перегрузка операций.pptx
@@ -4639,9 +4639,372 @@
   <p:timing>
     <p:tnLst>
       <p:par>
-        <p:cTn id="1" dur="indefinite" restart="never" nodeType="tmRoot"/>
+        <p:cTn id="1" dur="indefinite" restart="never" nodeType="tmRoot">
+          <p:childTnLst>
+            <p:seq concurrent="1" nextAc="seek">
+              <p:cTn id="2" dur="indefinite" nodeType="mainSeq">
+                <p:childTnLst>
+                  <p:par>
+                    <p:cTn id="3" fill="hold">
+                      <p:stCondLst>
+                        <p:cond delay="indefinite"/>
+                      </p:stCondLst>
+                      <p:childTnLst>
+                        <p:par>
+                          <p:cTn id="4" fill="hold">
+                            <p:stCondLst>
+                              <p:cond delay="0"/>
+                            </p:stCondLst>
+                            <p:childTnLst>
+                              <p:par>
+                                <p:cTn id="5" presetID="10" presetClass="entr" presetSubtype="0" fill="hold" grpId="0" nodeType="clickEffect">
+                                  <p:stCondLst>
+                                    <p:cond delay="0"/>
+                                  </p:stCondLst>
+                                  <p:childTnLst>
+                                    <p:set>
+                                      <p:cBhvr>
+                                        <p:cTn id="6" dur="1" fill="hold">
+                                          <p:stCondLst>
+                                            <p:cond delay="0"/>
+                                          </p:stCondLst>
+                                        </p:cTn>
+                                        <p:tgtEl>
+                                          <p:spTgt spid="3">
+                                            <p:txEl>
+                                              <p:pRg st="0" end="0"/>
+                                            </p:txEl>
+                                          </p:spTgt>
+                                        </p:tgtEl>
+                                        <p:attrNameLst>
+                                          <p:attrName>style.visibility</p:attrName>
+                                        </p:attrNameLst>
+                                      </p:cBhvr>
+                                      <p:to>
+                                        <p:strVal val="visible"/>
+                                      </p:to>
+                                    </p:set>
+                                    <p:animEffect transition="in" filter="fade">
+                                      <p:cBhvr>
+                                        <p:cTn id="7" dur="500"/>
+                                        <p:tgtEl>
+                                          <p:spTgt spid="3">
+                                            <p:txEl>
+                                              <p:pRg st="0" end="0"/>
+                                            </p:txEl>
+                                          </p:spTgt>
+                                        </p:tgtEl>
+                                      </p:cBhvr>
+                                    </p:animEffect>
+                                  </p:childTnLst>
+                                </p:cTn>
+                              </p:par>
+                              <p:par>
+                                <p:cTn id="8" presetID="10" presetClass="entr" presetSubtype="0" fill="hold" grpId="0" nodeType="withEffect">
+                                  <p:stCondLst>
+                                    <p:cond delay="0"/>
+                                  </p:stCondLst>
+                                  <p:childTnLst>
+                                    <p:set>
+                                      <p:cBhvr>
+                                        <p:cTn id="9" dur="1" fill="hold">
+                                          <p:stCondLst>
+                                            <p:cond delay="0"/>
+                                          </p:stCondLst>
+                                        </p:cTn>
+                                        <p:tgtEl>
+                                          <p:spTgt spid="3">
+                                            <p:txEl>
+                                              <p:pRg st="1" end="1"/>
+                                            </p:txEl>
+                                          </p:spTgt>
+                                        </p:tgtEl>
+                                        <p:attrNameLst>
+                                          <p:attrName>style.visibility</p:attrName>
+                                        </p:attrNameLst>
+                                      </p:cBhvr>
+                                      <p:to>
+                                        <p:strVal val="visible"/>
+                                      </p:to>
+                                    </p:set>
+                                    <p:animEffect transition="in" filter="fade">
+                                      <p:cBhvr>
+                                        <p:cTn id="10" dur="500"/>
+                                        <p:tgtEl>
+                                          <p:spTgt spid="3">
+                                            <p:txEl>
+                                              <p:pRg st="1" end="1"/>
+                                            </p:txEl>
+                                          </p:spTgt>
+                                        </p:tgtEl>
+                                      </p:cBhvr>
+                                    </p:animEffect>
+                                  </p:childTnLst>
+                                </p:cTn>
+                              </p:par>
+                            </p:childTnLst>
+                          </p:cTn>
+                        </p:par>
+                      </p:childTnLst>
+                    </p:cTn>
+                  </p:par>
+                  <p:par>
+                    <p:cTn id="11" fill="hold">
+                      <p:stCondLst>
+                        <p:cond delay="indefinite"/>
+                      </p:stCondLst>
+                      <p:childTnLst>
+                        <p:par>
+                          <p:cTn id="12" fill="hold">
+                            <p:stCondLst>
+                              <p:cond delay="0"/>
+                            </p:stCondLst>
+                            <p:childTnLst>
+                              <p:par>
+                                <p:cTn id="13" presetID="10" presetClass="entr" presetSubtype="0" fill="hold" grpId="0" nodeType="clickEffect">
+                                  <p:stCondLst>
+                                    <p:cond delay="0"/>
+                                  </p:stCondLst>
+                                  <p:childTnLst>
+                                    <p:set>
+                                      <p:cBhvr>
+                                        <p:cTn id="14" dur="1" fill="hold">
+                                          <p:stCondLst>
+                                            <p:cond delay="0"/>
+                                          </p:stCondLst>
+                                        </p:cTn>
+                                        <p:tgtEl>
+                                          <p:spTgt spid="3">
+                                            <p:txEl>
+                                              <p:pRg st="2" end="2"/>
+                                            </p:txEl>
+                                          </p:spTgt>
+                                        </p:tgtEl>
+                                        <p:attrNameLst>
+                                          <p:attrName>style.visibility</p:attrName>
+                                        </p:attrNameLst>
+                                      </p:cBhvr>
+                                      <p:to>
+                                        <p:strVal val="visible"/>
+                                      </p:to>
+                                    </p:set>
+                                    <p:animEffect transition="in" filter="fade">
+                                      <p:cBhvr>
+                                        <p:cTn id="15" dur="500"/>
+                                        <p:tgtEl>
+                                          <p:spTgt spid="3">
+                                            <p:txEl>
+                                              <p:pRg st="2" end="2"/>
+                                            </p:txEl>
+                                          </p:spTgt>
+                                        </p:tgtEl>
+                                      </p:cBhvr>
+                                    </p:animEffect>
+                                  </p:childTnLst>
+                                </p:cTn>
+                              </p:par>
+                              <p:par>
+                                <p:cTn id="16" presetID="10" presetClass="entr" presetSubtype="0" fill="hold" grpId="0" nodeType="withEffect">
+                                  <p:stCondLst>
+                                    <p:cond delay="0"/>
+                                  </p:stCondLst>
+                                  <p:childTnLst>
+                                    <p:set>
+                                      <p:cBhvr>
+                                        <p:cTn id="17" dur="1" fill="hold">
+                                          <p:stCondLst>
+                                            <p:cond delay="0"/>
+                                          </p:stCondLst>
+                                        </p:cTn>
+                                        <p:tgtEl>
+                                          <p:spTgt spid="3">
+                                            <p:txEl>
+                                              <p:pRg st="3" end="3"/>
+                                            </p:txEl>
+                                          </p:spTgt>
+                                        </p:tgtEl>
+                                        <p:attrNameLst>
+                                          <p:attrName>style.visibility</p:attrName>
+                                        </p:attrNameLst>
+                                      </p:cBhvr>
+                                      <p:to>
+                                        <p:strVal val="visible"/>
+                                      </p:to>
+                                    </p:set>
+                                    <p:animEffect transition="in" filter="fade">
+                                      <p:cBhvr>
+                                        <p:cTn id="18" dur="500"/>
+                                        <p:tgtEl>
+                                          <p:spTgt spid="3">
+                                            <p:txEl>
+                                              <p:pRg st="3" end="3"/>
+                                            </p:txEl>
+                                          </p:spTgt>
+                                        </p:tgtEl>
+                                      </p:cBhvr>
+                                    </p:animEffect>
+                                  </p:childTnLst>
+                                </p:cTn>
+                              </p:par>
+                              <p:par>
+                                <p:cTn id="19" presetID="10" presetClass="entr" presetSubtype="0" fill="hold" grpId="0" nodeType="withEffect">
+                                  <p:stCondLst>
+                                    <p:cond delay="0"/>
+                                  </p:stCondLst>
+                                  <p:childTnLst>
+                                    <p:set>
+                                      <p:cBhvr>
+                                        <p:cTn id="20" dur="1" fill="hold">
+                                          <p:stCondLst>
+                                            <p:cond delay="0"/>
+                                          </p:stCondLst>
+                                        </p:cTn>
+                                        <p:tgtEl>
+                                          <p:spTgt spid="3">
+                                            <p:txEl>
+                                              <p:pRg st="4" end="4"/>
+                                            </p:txEl>
+                                          </p:spTgt>
+                                        </p:tgtEl>
+                                        <p:attrNameLst>
+                                          <p:attrName>style.visibility</p:attrName>
+                                        </p:attrNameLst>
+                                      </p:cBhvr>
+                                      <p:to>
+                                        <p:strVal val="visible"/>
+                                      </p:to>
+                                    </p:set>
+                                    <p:animEffect transition="in" filter="fade">
+                                      <p:cBhvr>
+                                        <p:cTn id="21" dur="500"/>
+                                        <p:tgtEl>
+                                          <p:spTgt spid="3">
+                                            <p:txEl>
+                                              <p:pRg st="4" end="4"/>
+                                            </p:txEl>
+                                          </p:spTgt>
+                                        </p:tgtEl>
+                                      </p:cBhvr>
+                                    </p:animEffect>
+                                  </p:childTnLst>
+                                </p:cTn>
+                              </p:par>
+                              <p:par>
+                                <p:cTn id="22" presetID="10" presetClass="entr" presetSubtype="0" fill="hold" grpId="0" nodeType="withEffect">
+                                  <p:stCondLst>
+                                    <p:cond delay="0"/>
+                                  </p:stCondLst>
+                                  <p:childTnLst>
+                                    <p:set>
+                                      <p:cBhvr>
+                                        <p:cTn id="23" dur="1" fill="hold">
+                                          <p:stCondLst>
+                                            <p:cond delay="0"/>
+                                          </p:stCondLst>
+                                        </p:cTn>
+                                        <p:tgtEl>
+                                          <p:spTgt spid="3">
+                                            <p:txEl>
+                                              <p:pRg st="5" end="5"/>
+                                            </p:txEl>
+                                          </p:spTgt>
+                                        </p:tgtEl>
+                                        <p:attrNameLst>
+                                          <p:attrName>style.visibility</p:attrName>
+                                        </p:attrNameLst>
+                                      </p:cBhvr>
+                                      <p:to>
+                                        <p:strVal val="visible"/>
+                                      </p:to>
+                                    </p:set>
+                                    <p:animEffect transition="in" filter="fade">
+                                      <p:cBhvr>
+                                        <p:cTn id="24" dur="500"/>
+                                        <p:tgtEl>
+                                          <p:spTgt spid="3">
+                                            <p:txEl>
+                                              <p:pRg st="5" end="5"/>
+                                            </p:txEl>
+                                          </p:spTgt>
+                                        </p:tgtEl>
+                                      </p:cBhvr>
+                                    </p:animEffect>
+                                  </p:childTnLst>
+                                </p:cTn>
+                              </p:par>
+                              <p:par>
+                                <p:cTn id="25" presetID="10" presetClass="entr" presetSubtype="0" fill="hold" grpId="0" nodeType="withEffect">
+                                  <p:stCondLst>
+                                    <p:cond delay="0"/>
+                                  </p:stCondLst>
+                                  <p:childTnLst>
+                                    <p:set>
+                                      <p:cBhvr>
+                                        <p:cTn id="26" dur="1" fill="hold">
+                                          <p:stCondLst>
+                                            <p:cond delay="0"/>
+                                          </p:stCondLst>
+                                        </p:cTn>
+                                        <p:tgtEl>
+                                          <p:spTgt spid="3">
+                                            <p:txEl>
+                                              <p:pRg st="6" end="6"/>
+                                            </p:txEl>
+                                          </p:spTgt>
+                                        </p:tgtEl>
+                                        <p:attrNameLst>
+                                          <p:attrName>style.visibility</p:attrName>
+                                        </p:attrNameLst>
+                                      </p:cBhvr>
+                                      <p:to>
+                                        <p:strVal val="visible"/>
+                                      </p:to>
+                                    </p:set>
+                                    <p:animEffect transition="in" filter="fade">
+                                      <p:cBhvr>
+                                        <p:cTn id="27" dur="500"/>
+                                        <p:tgtEl>
+                                          <p:spTgt spid="3">
+                                            <p:txEl>
+                                              <p:pRg st="6" end="6"/>
+                                            </p:txEl>
+                                          </p:spTgt>
+                                        </p:tgtEl>
+                                      </p:cBhvr>
+                                    </p:animEffect>
+                                  </p:childTnLst>
+                                </p:cTn>
+                              </p:par>
+                            </p:childTnLst>
+                          </p:cTn>
+                        </p:par>
+                      </p:childTnLst>
+                    </p:cTn>
+                  </p:par>
+                </p:childTnLst>
+              </p:cTn>
+              <p:prevCondLst>
+                <p:cond evt="onPrev" delay="0">
+                  <p:tgtEl>
+                    <p:sldTgt/>
+                  </p:tgtEl>
+                </p:cond>
+              </p:prevCondLst>
+              <p:nextCondLst>
+                <p:cond evt="onNext" delay="0">
+                  <p:tgtEl>
+                    <p:sldTgt/>
+                  </p:tgtEl>
+                </p:cond>
+              </p:nextCondLst>
+            </p:seq>
+          </p:childTnLst>
+        </p:cTn>
       </p:par>
     </p:tnLst>
+    <p:bldLst>
+      <p:bldP spid="3" grpId="0" build="p"/>
+    </p:bldLst>
   </p:timing>
 </p:sld>
 </file>
@@ -4795,29 +5158,8 @@
               <a:rPr lang="en-US" sz="1600" b="1" dirty="0" smtClean="0">
                 <a:latin typeface="Courier New" pitchFamily="49" charset="0"/>
               </a:rPr>
-              <a:t>(double </a:t>
-            </a:r>
-            <a:r>
-              <a:rPr lang="en-US" sz="1600" b="1" dirty="0" smtClean="0">
-                <a:latin typeface="Courier New" pitchFamily="49" charset="0"/>
-              </a:rPr>
-              <a:t>x0, </a:t>
-            </a:r>
-            <a:r>
-              <a:rPr lang="en-US" sz="1600" b="1" dirty="0" smtClean="0">
-                <a:latin typeface="Courier New" pitchFamily="49" charset="0"/>
-              </a:rPr>
-              <a:t>double </a:t>
-            </a:r>
-            <a:r>
-              <a:rPr lang="en-US" sz="1600" b="1" dirty="0" smtClean="0">
-                <a:latin typeface="Courier New" pitchFamily="49" charset="0"/>
-              </a:rPr>
-              <a:t>y0)</a:t>
-            </a:r>
-            <a:endParaRPr lang="en-US" sz="1600" b="1" dirty="0" smtClean="0">
-              <a:latin typeface="Courier New" pitchFamily="49" charset="0"/>
-            </a:endParaRPr>
+              <a:t>(double x0, double y0)</a:t>
+            </a:r>
           </a:p>
           <a:p>
             <a:pPr defTabSz="631825">
@@ -5320,9 +5662,347 @@
   <p:timing>
     <p:tnLst>
       <p:par>
-        <p:cTn id="1" dur="indefinite" restart="never" nodeType="tmRoot"/>
+        <p:cTn id="1" dur="indefinite" restart="never" nodeType="tmRoot">
+          <p:childTnLst>
+            <p:seq concurrent="1" nextAc="seek">
+              <p:cTn id="2" dur="indefinite" nodeType="mainSeq">
+                <p:childTnLst>
+                  <p:par>
+                    <p:cTn id="3" fill="hold">
+                      <p:stCondLst>
+                        <p:cond delay="indefinite"/>
+                      </p:stCondLst>
+                      <p:childTnLst>
+                        <p:par>
+                          <p:cTn id="4" fill="hold">
+                            <p:stCondLst>
+                              <p:cond delay="0"/>
+                            </p:stCondLst>
+                            <p:childTnLst>
+                              <p:par>
+                                <p:cTn id="5" presetID="10" presetClass="entr" presetSubtype="0" fill="hold" grpId="0" nodeType="clickEffect">
+                                  <p:stCondLst>
+                                    <p:cond delay="0"/>
+                                  </p:stCondLst>
+                                  <p:childTnLst>
+                                    <p:set>
+                                      <p:cBhvr>
+                                        <p:cTn id="6" dur="1" fill="hold">
+                                          <p:stCondLst>
+                                            <p:cond delay="0"/>
+                                          </p:stCondLst>
+                                        </p:cTn>
+                                        <p:tgtEl>
+                                          <p:spTgt spid="5">
+                                            <p:txEl>
+                                              <p:pRg st="0" end="0"/>
+                                            </p:txEl>
+                                          </p:spTgt>
+                                        </p:tgtEl>
+                                        <p:attrNameLst>
+                                          <p:attrName>style.visibility</p:attrName>
+                                        </p:attrNameLst>
+                                      </p:cBhvr>
+                                      <p:to>
+                                        <p:strVal val="visible"/>
+                                      </p:to>
+                                    </p:set>
+                                    <p:animEffect transition="in" filter="fade">
+                                      <p:cBhvr>
+                                        <p:cTn id="7" dur="500"/>
+                                        <p:tgtEl>
+                                          <p:spTgt spid="5">
+                                            <p:txEl>
+                                              <p:pRg st="0" end="0"/>
+                                            </p:txEl>
+                                          </p:spTgt>
+                                        </p:tgtEl>
+                                      </p:cBhvr>
+                                    </p:animEffect>
+                                  </p:childTnLst>
+                                </p:cTn>
+                              </p:par>
+                            </p:childTnLst>
+                          </p:cTn>
+                        </p:par>
+                      </p:childTnLst>
+                    </p:cTn>
+                  </p:par>
+                  <p:par>
+                    <p:cTn id="8" fill="hold">
+                      <p:stCondLst>
+                        <p:cond delay="indefinite"/>
+                      </p:stCondLst>
+                      <p:childTnLst>
+                        <p:par>
+                          <p:cTn id="9" fill="hold">
+                            <p:stCondLst>
+                              <p:cond delay="0"/>
+                            </p:stCondLst>
+                            <p:childTnLst>
+                              <p:par>
+                                <p:cTn id="10" presetID="10" presetClass="entr" presetSubtype="0" fill="hold" grpId="0" nodeType="clickEffect">
+                                  <p:stCondLst>
+                                    <p:cond delay="0"/>
+                                  </p:stCondLst>
+                                  <p:childTnLst>
+                                    <p:set>
+                                      <p:cBhvr>
+                                        <p:cTn id="11" dur="1" fill="hold">
+                                          <p:stCondLst>
+                                            <p:cond delay="0"/>
+                                          </p:stCondLst>
+                                        </p:cTn>
+                                        <p:tgtEl>
+                                          <p:spTgt spid="5">
+                                            <p:txEl>
+                                              <p:pRg st="1" end="1"/>
+                                            </p:txEl>
+                                          </p:spTgt>
+                                        </p:tgtEl>
+                                        <p:attrNameLst>
+                                          <p:attrName>style.visibility</p:attrName>
+                                        </p:attrNameLst>
+                                      </p:cBhvr>
+                                      <p:to>
+                                        <p:strVal val="visible"/>
+                                      </p:to>
+                                    </p:set>
+                                    <p:animEffect transition="in" filter="fade">
+                                      <p:cBhvr>
+                                        <p:cTn id="12" dur="500"/>
+                                        <p:tgtEl>
+                                          <p:spTgt spid="5">
+                                            <p:txEl>
+                                              <p:pRg st="1" end="1"/>
+                                            </p:txEl>
+                                          </p:spTgt>
+                                        </p:tgtEl>
+                                      </p:cBhvr>
+                                    </p:animEffect>
+                                  </p:childTnLst>
+                                </p:cTn>
+                              </p:par>
+                              <p:par>
+                                <p:cTn id="13" presetID="10" presetClass="entr" presetSubtype="0" fill="hold" grpId="0" nodeType="withEffect">
+                                  <p:stCondLst>
+                                    <p:cond delay="0"/>
+                                  </p:stCondLst>
+                                  <p:childTnLst>
+                                    <p:set>
+                                      <p:cBhvr>
+                                        <p:cTn id="14" dur="1" fill="hold">
+                                          <p:stCondLst>
+                                            <p:cond delay="0"/>
+                                          </p:stCondLst>
+                                        </p:cTn>
+                                        <p:tgtEl>
+                                          <p:spTgt spid="5">
+                                            <p:txEl>
+                                              <p:pRg st="2" end="2"/>
+                                            </p:txEl>
+                                          </p:spTgt>
+                                        </p:tgtEl>
+                                        <p:attrNameLst>
+                                          <p:attrName>style.visibility</p:attrName>
+                                        </p:attrNameLst>
+                                      </p:cBhvr>
+                                      <p:to>
+                                        <p:strVal val="visible"/>
+                                      </p:to>
+                                    </p:set>
+                                    <p:animEffect transition="in" filter="fade">
+                                      <p:cBhvr>
+                                        <p:cTn id="15" dur="500"/>
+                                        <p:tgtEl>
+                                          <p:spTgt spid="5">
+                                            <p:txEl>
+                                              <p:pRg st="2" end="2"/>
+                                            </p:txEl>
+                                          </p:spTgt>
+                                        </p:tgtEl>
+                                      </p:cBhvr>
+                                    </p:animEffect>
+                                  </p:childTnLst>
+                                </p:cTn>
+                              </p:par>
+                              <p:par>
+                                <p:cTn id="16" presetID="10" presetClass="entr" presetSubtype="0" fill="hold" grpId="0" nodeType="withEffect">
+                                  <p:stCondLst>
+                                    <p:cond delay="0"/>
+                                  </p:stCondLst>
+                                  <p:childTnLst>
+                                    <p:set>
+                                      <p:cBhvr>
+                                        <p:cTn id="17" dur="1" fill="hold">
+                                          <p:stCondLst>
+                                            <p:cond delay="0"/>
+                                          </p:stCondLst>
+                                        </p:cTn>
+                                        <p:tgtEl>
+                                          <p:spTgt spid="5">
+                                            <p:txEl>
+                                              <p:pRg st="3" end="3"/>
+                                            </p:txEl>
+                                          </p:spTgt>
+                                        </p:tgtEl>
+                                        <p:attrNameLst>
+                                          <p:attrName>style.visibility</p:attrName>
+                                        </p:attrNameLst>
+                                      </p:cBhvr>
+                                      <p:to>
+                                        <p:strVal val="visible"/>
+                                      </p:to>
+                                    </p:set>
+                                    <p:animEffect transition="in" filter="fade">
+                                      <p:cBhvr>
+                                        <p:cTn id="18" dur="500"/>
+                                        <p:tgtEl>
+                                          <p:spTgt spid="5">
+                                            <p:txEl>
+                                              <p:pRg st="3" end="3"/>
+                                            </p:txEl>
+                                          </p:spTgt>
+                                        </p:tgtEl>
+                                      </p:cBhvr>
+                                    </p:animEffect>
+                                  </p:childTnLst>
+                                </p:cTn>
+                              </p:par>
+                            </p:childTnLst>
+                          </p:cTn>
+                        </p:par>
+                      </p:childTnLst>
+                    </p:cTn>
+                  </p:par>
+                  <p:par>
+                    <p:cTn id="19" fill="hold">
+                      <p:stCondLst>
+                        <p:cond delay="indefinite"/>
+                      </p:stCondLst>
+                      <p:childTnLst>
+                        <p:par>
+                          <p:cTn id="20" fill="hold">
+                            <p:stCondLst>
+                              <p:cond delay="0"/>
+                            </p:stCondLst>
+                            <p:childTnLst>
+                              <p:par>
+                                <p:cTn id="21" presetID="10" presetClass="entr" presetSubtype="0" fill="hold" grpId="0" nodeType="clickEffect">
+                                  <p:stCondLst>
+                                    <p:cond delay="0"/>
+                                  </p:stCondLst>
+                                  <p:childTnLst>
+                                    <p:set>
+                                      <p:cBhvr>
+                                        <p:cTn id="22" dur="1" fill="hold">
+                                          <p:stCondLst>
+                                            <p:cond delay="0"/>
+                                          </p:stCondLst>
+                                        </p:cTn>
+                                        <p:tgtEl>
+                                          <p:spTgt spid="5">
+                                            <p:txEl>
+                                              <p:pRg st="4" end="4"/>
+                                            </p:txEl>
+                                          </p:spTgt>
+                                        </p:tgtEl>
+                                        <p:attrNameLst>
+                                          <p:attrName>style.visibility</p:attrName>
+                                        </p:attrNameLst>
+                                      </p:cBhvr>
+                                      <p:to>
+                                        <p:strVal val="visible"/>
+                                      </p:to>
+                                    </p:set>
+                                    <p:animEffect transition="in" filter="fade">
+                                      <p:cBhvr>
+                                        <p:cTn id="23" dur="500"/>
+                                        <p:tgtEl>
+                                          <p:spTgt spid="5">
+                                            <p:txEl>
+                                              <p:pRg st="4" end="4"/>
+                                            </p:txEl>
+                                          </p:spTgt>
+                                        </p:tgtEl>
+                                      </p:cBhvr>
+                                    </p:animEffect>
+                                  </p:childTnLst>
+                                </p:cTn>
+                              </p:par>
+                              <p:par>
+                                <p:cTn id="24" presetID="10" presetClass="entr" presetSubtype="0" fill="hold" grpId="0" nodeType="withEffect">
+                                  <p:stCondLst>
+                                    <p:cond delay="0"/>
+                                  </p:stCondLst>
+                                  <p:childTnLst>
+                                    <p:set>
+                                      <p:cBhvr>
+                                        <p:cTn id="25" dur="1" fill="hold">
+                                          <p:stCondLst>
+                                            <p:cond delay="0"/>
+                                          </p:stCondLst>
+                                        </p:cTn>
+                                        <p:tgtEl>
+                                          <p:spTgt spid="5">
+                                            <p:txEl>
+                                              <p:pRg st="5" end="5"/>
+                                            </p:txEl>
+                                          </p:spTgt>
+                                        </p:tgtEl>
+                                        <p:attrNameLst>
+                                          <p:attrName>style.visibility</p:attrName>
+                                        </p:attrNameLst>
+                                      </p:cBhvr>
+                                      <p:to>
+                                        <p:strVal val="visible"/>
+                                      </p:to>
+                                    </p:set>
+                                    <p:animEffect transition="in" filter="fade">
+                                      <p:cBhvr>
+                                        <p:cTn id="26" dur="500"/>
+                                        <p:tgtEl>
+                                          <p:spTgt spid="5">
+                                            <p:txEl>
+                                              <p:pRg st="5" end="5"/>
+                                            </p:txEl>
+                                          </p:spTgt>
+                                        </p:tgtEl>
+                                      </p:cBhvr>
+                                    </p:animEffect>
+                                  </p:childTnLst>
+                                </p:cTn>
+                              </p:par>
+                            </p:childTnLst>
+                          </p:cTn>
+                        </p:par>
+                      </p:childTnLst>
+                    </p:cTn>
+                  </p:par>
+                </p:childTnLst>
+              </p:cTn>
+              <p:prevCondLst>
+                <p:cond evt="onPrev" delay="0">
+                  <p:tgtEl>
+                    <p:sldTgt/>
+                  </p:tgtEl>
+                </p:cond>
+              </p:prevCondLst>
+              <p:nextCondLst>
+                <p:cond evt="onNext" delay="0">
+                  <p:tgtEl>
+                    <p:sldTgt/>
+                  </p:tgtEl>
+                </p:cond>
+              </p:nextCondLst>
+            </p:seq>
+          </p:childTnLst>
+        </p:cTn>
       </p:par>
     </p:tnLst>
+    <p:bldLst>
+      <p:bldP spid="5" grpId="0" build="p" bldLvl="2"/>
+    </p:bldLst>
   </p:timing>
 </p:sld>
 </file>
@@ -5479,9 +6159,347 @@
   <p:timing>
     <p:tnLst>
       <p:par>
-        <p:cTn id="1" dur="indefinite" restart="never" nodeType="tmRoot"/>
+        <p:cTn id="1" dur="indefinite" restart="never" nodeType="tmRoot">
+          <p:childTnLst>
+            <p:seq concurrent="1" nextAc="seek">
+              <p:cTn id="2" dur="indefinite" nodeType="mainSeq">
+                <p:childTnLst>
+                  <p:par>
+                    <p:cTn id="3" fill="hold">
+                      <p:stCondLst>
+                        <p:cond delay="indefinite"/>
+                      </p:stCondLst>
+                      <p:childTnLst>
+                        <p:par>
+                          <p:cTn id="4" fill="hold">
+                            <p:stCondLst>
+                              <p:cond delay="0"/>
+                            </p:stCondLst>
+                            <p:childTnLst>
+                              <p:par>
+                                <p:cTn id="5" presetID="10" presetClass="entr" presetSubtype="0" fill="hold" grpId="0" nodeType="clickEffect">
+                                  <p:stCondLst>
+                                    <p:cond delay="0"/>
+                                  </p:stCondLst>
+                                  <p:childTnLst>
+                                    <p:set>
+                                      <p:cBhvr>
+                                        <p:cTn id="6" dur="1" fill="hold">
+                                          <p:stCondLst>
+                                            <p:cond delay="0"/>
+                                          </p:stCondLst>
+                                        </p:cTn>
+                                        <p:tgtEl>
+                                          <p:spTgt spid="3">
+                                            <p:txEl>
+                                              <p:pRg st="0" end="0"/>
+                                            </p:txEl>
+                                          </p:spTgt>
+                                        </p:tgtEl>
+                                        <p:attrNameLst>
+                                          <p:attrName>style.visibility</p:attrName>
+                                        </p:attrNameLst>
+                                      </p:cBhvr>
+                                      <p:to>
+                                        <p:strVal val="visible"/>
+                                      </p:to>
+                                    </p:set>
+                                    <p:animEffect transition="in" filter="fade">
+                                      <p:cBhvr>
+                                        <p:cTn id="7" dur="500"/>
+                                        <p:tgtEl>
+                                          <p:spTgt spid="3">
+                                            <p:txEl>
+                                              <p:pRg st="0" end="0"/>
+                                            </p:txEl>
+                                          </p:spTgt>
+                                        </p:tgtEl>
+                                      </p:cBhvr>
+                                    </p:animEffect>
+                                  </p:childTnLst>
+                                </p:cTn>
+                              </p:par>
+                              <p:par>
+                                <p:cTn id="8" presetID="10" presetClass="entr" presetSubtype="0" fill="hold" grpId="0" nodeType="withEffect">
+                                  <p:stCondLst>
+                                    <p:cond delay="0"/>
+                                  </p:stCondLst>
+                                  <p:childTnLst>
+                                    <p:set>
+                                      <p:cBhvr>
+                                        <p:cTn id="9" dur="1" fill="hold">
+                                          <p:stCondLst>
+                                            <p:cond delay="0"/>
+                                          </p:stCondLst>
+                                        </p:cTn>
+                                        <p:tgtEl>
+                                          <p:spTgt spid="3">
+                                            <p:txEl>
+                                              <p:pRg st="1" end="1"/>
+                                            </p:txEl>
+                                          </p:spTgt>
+                                        </p:tgtEl>
+                                        <p:attrNameLst>
+                                          <p:attrName>style.visibility</p:attrName>
+                                        </p:attrNameLst>
+                                      </p:cBhvr>
+                                      <p:to>
+                                        <p:strVal val="visible"/>
+                                      </p:to>
+                                    </p:set>
+                                    <p:animEffect transition="in" filter="fade">
+                                      <p:cBhvr>
+                                        <p:cTn id="10" dur="500"/>
+                                        <p:tgtEl>
+                                          <p:spTgt spid="3">
+                                            <p:txEl>
+                                              <p:pRg st="1" end="1"/>
+                                            </p:txEl>
+                                          </p:spTgt>
+                                        </p:tgtEl>
+                                      </p:cBhvr>
+                                    </p:animEffect>
+                                  </p:childTnLst>
+                                </p:cTn>
+                              </p:par>
+                            </p:childTnLst>
+                          </p:cTn>
+                        </p:par>
+                      </p:childTnLst>
+                    </p:cTn>
+                  </p:par>
+                  <p:par>
+                    <p:cTn id="11" fill="hold">
+                      <p:stCondLst>
+                        <p:cond delay="indefinite"/>
+                      </p:stCondLst>
+                      <p:childTnLst>
+                        <p:par>
+                          <p:cTn id="12" fill="hold">
+                            <p:stCondLst>
+                              <p:cond delay="0"/>
+                            </p:stCondLst>
+                            <p:childTnLst>
+                              <p:par>
+                                <p:cTn id="13" presetID="10" presetClass="entr" presetSubtype="0" fill="hold" grpId="0" nodeType="clickEffect">
+                                  <p:stCondLst>
+                                    <p:cond delay="0"/>
+                                  </p:stCondLst>
+                                  <p:childTnLst>
+                                    <p:set>
+                                      <p:cBhvr>
+                                        <p:cTn id="14" dur="1" fill="hold">
+                                          <p:stCondLst>
+                                            <p:cond delay="0"/>
+                                          </p:stCondLst>
+                                        </p:cTn>
+                                        <p:tgtEl>
+                                          <p:spTgt spid="3">
+                                            <p:txEl>
+                                              <p:pRg st="2" end="2"/>
+                                            </p:txEl>
+                                          </p:spTgt>
+                                        </p:tgtEl>
+                                        <p:attrNameLst>
+                                          <p:attrName>style.visibility</p:attrName>
+                                        </p:attrNameLst>
+                                      </p:cBhvr>
+                                      <p:to>
+                                        <p:strVal val="visible"/>
+                                      </p:to>
+                                    </p:set>
+                                    <p:animEffect transition="in" filter="fade">
+                                      <p:cBhvr>
+                                        <p:cTn id="15" dur="500"/>
+                                        <p:tgtEl>
+                                          <p:spTgt spid="3">
+                                            <p:txEl>
+                                              <p:pRg st="2" end="2"/>
+                                            </p:txEl>
+                                          </p:spTgt>
+                                        </p:tgtEl>
+                                      </p:cBhvr>
+                                    </p:animEffect>
+                                  </p:childTnLst>
+                                </p:cTn>
+                              </p:par>
+                              <p:par>
+                                <p:cTn id="16" presetID="10" presetClass="entr" presetSubtype="0" fill="hold" grpId="0" nodeType="withEffect">
+                                  <p:stCondLst>
+                                    <p:cond delay="0"/>
+                                  </p:stCondLst>
+                                  <p:childTnLst>
+                                    <p:set>
+                                      <p:cBhvr>
+                                        <p:cTn id="17" dur="1" fill="hold">
+                                          <p:stCondLst>
+                                            <p:cond delay="0"/>
+                                          </p:stCondLst>
+                                        </p:cTn>
+                                        <p:tgtEl>
+                                          <p:spTgt spid="3">
+                                            <p:txEl>
+                                              <p:pRg st="3" end="3"/>
+                                            </p:txEl>
+                                          </p:spTgt>
+                                        </p:tgtEl>
+                                        <p:attrNameLst>
+                                          <p:attrName>style.visibility</p:attrName>
+                                        </p:attrNameLst>
+                                      </p:cBhvr>
+                                      <p:to>
+                                        <p:strVal val="visible"/>
+                                      </p:to>
+                                    </p:set>
+                                    <p:animEffect transition="in" filter="fade">
+                                      <p:cBhvr>
+                                        <p:cTn id="18" dur="500"/>
+                                        <p:tgtEl>
+                                          <p:spTgt spid="3">
+                                            <p:txEl>
+                                              <p:pRg st="3" end="3"/>
+                                            </p:txEl>
+                                          </p:spTgt>
+                                        </p:tgtEl>
+                                      </p:cBhvr>
+                                    </p:animEffect>
+                                  </p:childTnLst>
+                                </p:cTn>
+                              </p:par>
+                            </p:childTnLst>
+                          </p:cTn>
+                        </p:par>
+                      </p:childTnLst>
+                    </p:cTn>
+                  </p:par>
+                  <p:par>
+                    <p:cTn id="19" fill="hold">
+                      <p:stCondLst>
+                        <p:cond delay="indefinite"/>
+                      </p:stCondLst>
+                      <p:childTnLst>
+                        <p:par>
+                          <p:cTn id="20" fill="hold">
+                            <p:stCondLst>
+                              <p:cond delay="0"/>
+                            </p:stCondLst>
+                            <p:childTnLst>
+                              <p:par>
+                                <p:cTn id="21" presetID="10" presetClass="entr" presetSubtype="0" fill="hold" grpId="0" nodeType="clickEffect">
+                                  <p:stCondLst>
+                                    <p:cond delay="0"/>
+                                  </p:stCondLst>
+                                  <p:childTnLst>
+                                    <p:set>
+                                      <p:cBhvr>
+                                        <p:cTn id="22" dur="1" fill="hold">
+                                          <p:stCondLst>
+                                            <p:cond delay="0"/>
+                                          </p:stCondLst>
+                                        </p:cTn>
+                                        <p:tgtEl>
+                                          <p:spTgt spid="3">
+                                            <p:txEl>
+                                              <p:pRg st="4" end="4"/>
+                                            </p:txEl>
+                                          </p:spTgt>
+                                        </p:tgtEl>
+                                        <p:attrNameLst>
+                                          <p:attrName>style.visibility</p:attrName>
+                                        </p:attrNameLst>
+                                      </p:cBhvr>
+                                      <p:to>
+                                        <p:strVal val="visible"/>
+                                      </p:to>
+                                    </p:set>
+                                    <p:animEffect transition="in" filter="fade">
+                                      <p:cBhvr>
+                                        <p:cTn id="23" dur="500"/>
+                                        <p:tgtEl>
+                                          <p:spTgt spid="3">
+                                            <p:txEl>
+                                              <p:pRg st="4" end="4"/>
+                                            </p:txEl>
+                                          </p:spTgt>
+                                        </p:tgtEl>
+                                      </p:cBhvr>
+                                    </p:animEffect>
+                                  </p:childTnLst>
+                                </p:cTn>
+                              </p:par>
+                              <p:par>
+                                <p:cTn id="24" presetID="10" presetClass="entr" presetSubtype="0" fill="hold" grpId="0" nodeType="withEffect">
+                                  <p:stCondLst>
+                                    <p:cond delay="0"/>
+                                  </p:stCondLst>
+                                  <p:childTnLst>
+                                    <p:set>
+                                      <p:cBhvr>
+                                        <p:cTn id="25" dur="1" fill="hold">
+                                          <p:stCondLst>
+                                            <p:cond delay="0"/>
+                                          </p:stCondLst>
+                                        </p:cTn>
+                                        <p:tgtEl>
+                                          <p:spTgt spid="3">
+                                            <p:txEl>
+                                              <p:pRg st="5" end="5"/>
+                                            </p:txEl>
+                                          </p:spTgt>
+                                        </p:tgtEl>
+                                        <p:attrNameLst>
+                                          <p:attrName>style.visibility</p:attrName>
+                                        </p:attrNameLst>
+                                      </p:cBhvr>
+                                      <p:to>
+                                        <p:strVal val="visible"/>
+                                      </p:to>
+                                    </p:set>
+                                    <p:animEffect transition="in" filter="fade">
+                                      <p:cBhvr>
+                                        <p:cTn id="26" dur="500"/>
+                                        <p:tgtEl>
+                                          <p:spTgt spid="3">
+                                            <p:txEl>
+                                              <p:pRg st="5" end="5"/>
+                                            </p:txEl>
+                                          </p:spTgt>
+                                        </p:tgtEl>
+                                      </p:cBhvr>
+                                    </p:animEffect>
+                                  </p:childTnLst>
+                                </p:cTn>
+                              </p:par>
+                            </p:childTnLst>
+                          </p:cTn>
+                        </p:par>
+                      </p:childTnLst>
+                    </p:cTn>
+                  </p:par>
+                </p:childTnLst>
+              </p:cTn>
+              <p:prevCondLst>
+                <p:cond evt="onPrev" delay="0">
+                  <p:tgtEl>
+                    <p:sldTgt/>
+                  </p:tgtEl>
+                </p:cond>
+              </p:prevCondLst>
+              <p:nextCondLst>
+                <p:cond evt="onNext" delay="0">
+                  <p:tgtEl>
+                    <p:sldTgt/>
+                  </p:tgtEl>
+                </p:cond>
+              </p:nextCondLst>
+            </p:seq>
+          </p:childTnLst>
+        </p:cTn>
       </p:par>
     </p:tnLst>
+    <p:bldLst>
+      <p:bldP spid="3" grpId="0" build="p"/>
+    </p:bldLst>
   </p:timing>
 </p:sld>
 </file>
@@ -5847,7 +6865,177 @@
   <p:timing>
     <p:tnLst>
       <p:par>
-        <p:cTn id="1" dur="indefinite" restart="never" nodeType="tmRoot"/>
+        <p:cTn id="1" dur="indefinite" restart="never" nodeType="tmRoot">
+          <p:childTnLst>
+            <p:seq concurrent="1" nextAc="seek">
+              <p:cTn id="2" dur="indefinite" nodeType="mainSeq">
+                <p:childTnLst>
+                  <p:par>
+                    <p:cTn id="3" fill="hold">
+                      <p:stCondLst>
+                        <p:cond delay="indefinite"/>
+                      </p:stCondLst>
+                      <p:childTnLst>
+                        <p:par>
+                          <p:cTn id="4" fill="hold">
+                            <p:stCondLst>
+                              <p:cond delay="0"/>
+                            </p:stCondLst>
+                            <p:childTnLst>
+                              <p:par>
+                                <p:cTn id="5" presetID="10" presetClass="entr" presetSubtype="0" fill="hold" nodeType="clickEffect">
+                                  <p:stCondLst>
+                                    <p:cond delay="0"/>
+                                  </p:stCondLst>
+                                  <p:childTnLst>
+                                    <p:set>
+                                      <p:cBhvr>
+                                        <p:cTn id="6" dur="1" fill="hold">
+                                          <p:stCondLst>
+                                            <p:cond delay="0"/>
+                                          </p:stCondLst>
+                                        </p:cTn>
+                                        <p:tgtEl>
+                                          <p:spTgt spid="4">
+                                            <p:txEl>
+                                              <p:pRg st="6" end="6"/>
+                                            </p:txEl>
+                                          </p:spTgt>
+                                        </p:tgtEl>
+                                        <p:attrNameLst>
+                                          <p:attrName>style.visibility</p:attrName>
+                                        </p:attrNameLst>
+                                      </p:cBhvr>
+                                      <p:to>
+                                        <p:strVal val="visible"/>
+                                      </p:to>
+                                    </p:set>
+                                    <p:animEffect transition="in" filter="fade">
+                                      <p:cBhvr>
+                                        <p:cTn id="7" dur="500"/>
+                                        <p:tgtEl>
+                                          <p:spTgt spid="4">
+                                            <p:txEl>
+                                              <p:pRg st="6" end="6"/>
+                                            </p:txEl>
+                                          </p:spTgt>
+                                        </p:tgtEl>
+                                      </p:cBhvr>
+                                    </p:animEffect>
+                                  </p:childTnLst>
+                                </p:cTn>
+                              </p:par>
+                              <p:par>
+                                <p:cTn id="8" presetID="10" presetClass="entr" presetSubtype="0" fill="hold" nodeType="withEffect">
+                                  <p:stCondLst>
+                                    <p:cond delay="0"/>
+                                  </p:stCondLst>
+                                  <p:childTnLst>
+                                    <p:set>
+                                      <p:cBhvr>
+                                        <p:cTn id="9" dur="1" fill="hold">
+                                          <p:stCondLst>
+                                            <p:cond delay="0"/>
+                                          </p:stCondLst>
+                                        </p:cTn>
+                                        <p:tgtEl>
+                                          <p:spTgt spid="4">
+                                            <p:txEl>
+                                              <p:pRg st="7" end="7"/>
+                                            </p:txEl>
+                                          </p:spTgt>
+                                        </p:tgtEl>
+                                        <p:attrNameLst>
+                                          <p:attrName>style.visibility</p:attrName>
+                                        </p:attrNameLst>
+                                      </p:cBhvr>
+                                      <p:to>
+                                        <p:strVal val="visible"/>
+                                      </p:to>
+                                    </p:set>
+                                    <p:animEffect transition="in" filter="fade">
+                                      <p:cBhvr>
+                                        <p:cTn id="10" dur="500"/>
+                                        <p:tgtEl>
+                                          <p:spTgt spid="4">
+                                            <p:txEl>
+                                              <p:pRg st="7" end="7"/>
+                                            </p:txEl>
+                                          </p:spTgt>
+                                        </p:tgtEl>
+                                      </p:cBhvr>
+                                    </p:animEffect>
+                                  </p:childTnLst>
+                                </p:cTn>
+                              </p:par>
+                              <p:par>
+                                <p:cTn id="11" presetID="10" presetClass="entr" presetSubtype="0" fill="hold" nodeType="withEffect">
+                                  <p:stCondLst>
+                                    <p:cond delay="0"/>
+                                  </p:stCondLst>
+                                  <p:childTnLst>
+                                    <p:set>
+                                      <p:cBhvr>
+                                        <p:cTn id="12" dur="1" fill="hold">
+                                          <p:stCondLst>
+                                            <p:cond delay="0"/>
+                                          </p:stCondLst>
+                                        </p:cTn>
+                                        <p:tgtEl>
+                                          <p:spTgt spid="4">
+                                            <p:txEl>
+                                              <p:pRg st="8" end="8"/>
+                                            </p:txEl>
+                                          </p:spTgt>
+                                        </p:tgtEl>
+                                        <p:attrNameLst>
+                                          <p:attrName>style.visibility</p:attrName>
+                                        </p:attrNameLst>
+                                      </p:cBhvr>
+                                      <p:to>
+                                        <p:strVal val="visible"/>
+                                      </p:to>
+                                    </p:set>
+                                    <p:animEffect transition="in" filter="fade">
+                                      <p:cBhvr>
+                                        <p:cTn id="13" dur="500"/>
+                                        <p:tgtEl>
+                                          <p:spTgt spid="4">
+                                            <p:txEl>
+                                              <p:pRg st="8" end="8"/>
+                                            </p:txEl>
+                                          </p:spTgt>
+                                        </p:tgtEl>
+                                      </p:cBhvr>
+                                    </p:animEffect>
+                                  </p:childTnLst>
+                                </p:cTn>
+                              </p:par>
+                            </p:childTnLst>
+                          </p:cTn>
+                        </p:par>
+                      </p:childTnLst>
+                    </p:cTn>
+                  </p:par>
+                </p:childTnLst>
+              </p:cTn>
+              <p:prevCondLst>
+                <p:cond evt="onPrev" delay="0">
+                  <p:tgtEl>
+                    <p:sldTgt/>
+                  </p:tgtEl>
+                </p:cond>
+              </p:prevCondLst>
+              <p:nextCondLst>
+                <p:cond evt="onNext" delay="0">
+                  <p:tgtEl>
+                    <p:sldTgt/>
+                  </p:tgtEl>
+                </p:cond>
+              </p:nextCondLst>
+            </p:seq>
+          </p:childTnLst>
+        </p:cTn>
       </p:par>
     </p:tnLst>
   </p:timing>
@@ -6599,7 +7787,220 @@
   <p:timing>
     <p:tnLst>
       <p:par>
-        <p:cTn id="1" dur="indefinite" restart="never" nodeType="tmRoot"/>
+        <p:cTn id="1" dur="indefinite" restart="never" nodeType="tmRoot">
+          <p:childTnLst>
+            <p:seq concurrent="1" nextAc="seek">
+              <p:cTn id="2" dur="indefinite" nodeType="mainSeq">
+                <p:childTnLst>
+                  <p:par>
+                    <p:cTn id="3" fill="hold">
+                      <p:stCondLst>
+                        <p:cond delay="indefinite"/>
+                      </p:stCondLst>
+                      <p:childTnLst>
+                        <p:par>
+                          <p:cTn id="4" fill="hold">
+                            <p:stCondLst>
+                              <p:cond delay="0"/>
+                            </p:stCondLst>
+                            <p:childTnLst>
+                              <p:par>
+                                <p:cTn id="5" presetID="10" presetClass="entr" presetSubtype="0" fill="hold" nodeType="clickEffect">
+                                  <p:stCondLst>
+                                    <p:cond delay="0"/>
+                                  </p:stCondLst>
+                                  <p:childTnLst>
+                                    <p:set>
+                                      <p:cBhvr>
+                                        <p:cTn id="6" dur="1" fill="hold">
+                                          <p:stCondLst>
+                                            <p:cond delay="0"/>
+                                          </p:stCondLst>
+                                        </p:cTn>
+                                        <p:tgtEl>
+                                          <p:spTgt spid="4">
+                                            <p:txEl>
+                                              <p:pRg st="9" end="9"/>
+                                            </p:txEl>
+                                          </p:spTgt>
+                                        </p:tgtEl>
+                                        <p:attrNameLst>
+                                          <p:attrName>style.visibility</p:attrName>
+                                        </p:attrNameLst>
+                                      </p:cBhvr>
+                                      <p:to>
+                                        <p:strVal val="visible"/>
+                                      </p:to>
+                                    </p:set>
+                                    <p:animEffect transition="in" filter="fade">
+                                      <p:cBhvr>
+                                        <p:cTn id="7" dur="500"/>
+                                        <p:tgtEl>
+                                          <p:spTgt spid="4">
+                                            <p:txEl>
+                                              <p:pRg st="9" end="9"/>
+                                            </p:txEl>
+                                          </p:spTgt>
+                                        </p:tgtEl>
+                                      </p:cBhvr>
+                                    </p:animEffect>
+                                  </p:childTnLst>
+                                </p:cTn>
+                              </p:par>
+                              <p:par>
+                                <p:cTn id="8" presetID="10" presetClass="entr" presetSubtype="0" fill="hold" nodeType="withEffect">
+                                  <p:stCondLst>
+                                    <p:cond delay="0"/>
+                                  </p:stCondLst>
+                                  <p:childTnLst>
+                                    <p:set>
+                                      <p:cBhvr>
+                                        <p:cTn id="9" dur="1" fill="hold">
+                                          <p:stCondLst>
+                                            <p:cond delay="0"/>
+                                          </p:stCondLst>
+                                        </p:cTn>
+                                        <p:tgtEl>
+                                          <p:spTgt spid="4">
+                                            <p:txEl>
+                                              <p:pRg st="10" end="10"/>
+                                            </p:txEl>
+                                          </p:spTgt>
+                                        </p:tgtEl>
+                                        <p:attrNameLst>
+                                          <p:attrName>style.visibility</p:attrName>
+                                        </p:attrNameLst>
+                                      </p:cBhvr>
+                                      <p:to>
+                                        <p:strVal val="visible"/>
+                                      </p:to>
+                                    </p:set>
+                                    <p:animEffect transition="in" filter="fade">
+                                      <p:cBhvr>
+                                        <p:cTn id="10" dur="500"/>
+                                        <p:tgtEl>
+                                          <p:spTgt spid="4">
+                                            <p:txEl>
+                                              <p:pRg st="10" end="10"/>
+                                            </p:txEl>
+                                          </p:spTgt>
+                                        </p:tgtEl>
+                                      </p:cBhvr>
+                                    </p:animEffect>
+                                  </p:childTnLst>
+                                </p:cTn>
+                              </p:par>
+                              <p:par>
+                                <p:cTn id="11" presetID="10" presetClass="entr" presetSubtype="0" fill="hold" nodeType="withEffect">
+                                  <p:stCondLst>
+                                    <p:cond delay="0"/>
+                                  </p:stCondLst>
+                                  <p:childTnLst>
+                                    <p:set>
+                                      <p:cBhvr>
+                                        <p:cTn id="12" dur="1" fill="hold">
+                                          <p:stCondLst>
+                                            <p:cond delay="0"/>
+                                          </p:stCondLst>
+                                        </p:cTn>
+                                        <p:tgtEl>
+                                          <p:spTgt spid="4">
+                                            <p:txEl>
+                                              <p:pRg st="11" end="11"/>
+                                            </p:txEl>
+                                          </p:spTgt>
+                                        </p:tgtEl>
+                                        <p:attrNameLst>
+                                          <p:attrName>style.visibility</p:attrName>
+                                        </p:attrNameLst>
+                                      </p:cBhvr>
+                                      <p:to>
+                                        <p:strVal val="visible"/>
+                                      </p:to>
+                                    </p:set>
+                                    <p:animEffect transition="in" filter="fade">
+                                      <p:cBhvr>
+                                        <p:cTn id="13" dur="500"/>
+                                        <p:tgtEl>
+                                          <p:spTgt spid="4">
+                                            <p:txEl>
+                                              <p:pRg st="11" end="11"/>
+                                            </p:txEl>
+                                          </p:spTgt>
+                                        </p:tgtEl>
+                                      </p:cBhvr>
+                                    </p:animEffect>
+                                  </p:childTnLst>
+                                </p:cTn>
+                              </p:par>
+                              <p:par>
+                                <p:cTn id="14" presetID="10" presetClass="entr" presetSubtype="0" fill="hold" nodeType="withEffect">
+                                  <p:stCondLst>
+                                    <p:cond delay="0"/>
+                                  </p:stCondLst>
+                                  <p:childTnLst>
+                                    <p:set>
+                                      <p:cBhvr>
+                                        <p:cTn id="15" dur="1" fill="hold">
+                                          <p:stCondLst>
+                                            <p:cond delay="0"/>
+                                          </p:stCondLst>
+                                        </p:cTn>
+                                        <p:tgtEl>
+                                          <p:spTgt spid="4">
+                                            <p:txEl>
+                                              <p:pRg st="12" end="12"/>
+                                            </p:txEl>
+                                          </p:spTgt>
+                                        </p:tgtEl>
+                                        <p:attrNameLst>
+                                          <p:attrName>style.visibility</p:attrName>
+                                        </p:attrNameLst>
+                                      </p:cBhvr>
+                                      <p:to>
+                                        <p:strVal val="visible"/>
+                                      </p:to>
+                                    </p:set>
+                                    <p:animEffect transition="in" filter="fade">
+                                      <p:cBhvr>
+                                        <p:cTn id="16" dur="500"/>
+                                        <p:tgtEl>
+                                          <p:spTgt spid="4">
+                                            <p:txEl>
+                                              <p:pRg st="12" end="12"/>
+                                            </p:txEl>
+                                          </p:spTgt>
+                                        </p:tgtEl>
+                                      </p:cBhvr>
+                                    </p:animEffect>
+                                  </p:childTnLst>
+                                </p:cTn>
+                              </p:par>
+                            </p:childTnLst>
+                          </p:cTn>
+                        </p:par>
+                      </p:childTnLst>
+                    </p:cTn>
+                  </p:par>
+                </p:childTnLst>
+              </p:cTn>
+              <p:prevCondLst>
+                <p:cond evt="onPrev" delay="0">
+                  <p:tgtEl>
+                    <p:sldTgt/>
+                  </p:tgtEl>
+                </p:cond>
+              </p:prevCondLst>
+              <p:nextCondLst>
+                <p:cond evt="onNext" delay="0">
+                  <p:tgtEl>
+                    <p:sldTgt/>
+                  </p:tgtEl>
+                </p:cond>
+              </p:nextCondLst>
+            </p:seq>
+          </p:childTnLst>
+        </p:cTn>
       </p:par>
     </p:tnLst>
   </p:timing>
@@ -7782,9 +9183,88 @@
   <p:timing>
     <p:tnLst>
       <p:par>
-        <p:cTn id="1" dur="indefinite" restart="never" nodeType="tmRoot"/>
+        <p:cTn id="1" dur="indefinite" restart="never" nodeType="tmRoot">
+          <p:childTnLst>
+            <p:seq concurrent="1" nextAc="seek">
+              <p:cTn id="2" dur="indefinite" nodeType="mainSeq">
+                <p:childTnLst>
+                  <p:par>
+                    <p:cTn id="3" fill="hold">
+                      <p:stCondLst>
+                        <p:cond delay="indefinite"/>
+                      </p:stCondLst>
+                      <p:childTnLst>
+                        <p:par>
+                          <p:cTn id="4" fill="hold">
+                            <p:stCondLst>
+                              <p:cond delay="0"/>
+                            </p:stCondLst>
+                            <p:childTnLst>
+                              <p:par>
+                                <p:cTn id="5" presetID="10" presetClass="entr" presetSubtype="0" fill="hold" grpId="0" nodeType="clickEffect">
+                                  <p:stCondLst>
+                                    <p:cond delay="0"/>
+                                  </p:stCondLst>
+                                  <p:childTnLst>
+                                    <p:set>
+                                      <p:cBhvr>
+                                        <p:cTn id="6" dur="1" fill="hold">
+                                          <p:stCondLst>
+                                            <p:cond delay="0"/>
+                                          </p:stCondLst>
+                                        </p:cTn>
+                                        <p:tgtEl>
+                                          <p:spTgt spid="4"/>
+                                        </p:tgtEl>
+                                        <p:attrNameLst>
+                                          <p:attrName>style.visibility</p:attrName>
+                                        </p:attrNameLst>
+                                      </p:cBhvr>
+                                      <p:to>
+                                        <p:strVal val="visible"/>
+                                      </p:to>
+                                    </p:set>
+                                    <p:animEffect transition="in" filter="fade">
+                                      <p:cBhvr>
+                                        <p:cTn id="7" dur="500"/>
+                                        <p:tgtEl>
+                                          <p:spTgt spid="4"/>
+                                        </p:tgtEl>
+                                      </p:cBhvr>
+                                    </p:animEffect>
+                                  </p:childTnLst>
+                                </p:cTn>
+                              </p:par>
+                            </p:childTnLst>
+                          </p:cTn>
+                        </p:par>
+                      </p:childTnLst>
+                    </p:cTn>
+                  </p:par>
+                </p:childTnLst>
+              </p:cTn>
+              <p:prevCondLst>
+                <p:cond evt="onPrev" delay="0">
+                  <p:tgtEl>
+                    <p:sldTgt/>
+                  </p:tgtEl>
+                </p:cond>
+              </p:prevCondLst>
+              <p:nextCondLst>
+                <p:cond evt="onNext" delay="0">
+                  <p:tgtEl>
+                    <p:sldTgt/>
+                  </p:tgtEl>
+                </p:cond>
+              </p:nextCondLst>
+            </p:seq>
+          </p:childTnLst>
+        </p:cTn>
       </p:par>
     </p:tnLst>
+    <p:bldLst>
+      <p:bldP spid="4" grpId="0"/>
+    </p:bldLst>
   </p:timing>
 </p:sld>
 </file>
@@ -8479,9 +9959,329 @@
   <p:timing>
     <p:tnLst>
       <p:par>
-        <p:cTn id="1" dur="indefinite" restart="never" nodeType="tmRoot"/>
+        <p:cTn id="1" dur="indefinite" restart="never" nodeType="tmRoot">
+          <p:childTnLst>
+            <p:seq concurrent="1" nextAc="seek">
+              <p:cTn id="2" dur="indefinite" nodeType="mainSeq">
+                <p:childTnLst>
+                  <p:par>
+                    <p:cTn id="3" fill="hold">
+                      <p:stCondLst>
+                        <p:cond delay="indefinite"/>
+                      </p:stCondLst>
+                      <p:childTnLst>
+                        <p:par>
+                          <p:cTn id="4" fill="hold">
+                            <p:stCondLst>
+                              <p:cond delay="0"/>
+                            </p:stCondLst>
+                            <p:childTnLst>
+                              <p:par>
+                                <p:cTn id="5" presetID="10" presetClass="entr" presetSubtype="0" fill="hold" grpId="0" nodeType="clickEffect">
+                                  <p:stCondLst>
+                                    <p:cond delay="0"/>
+                                  </p:stCondLst>
+                                  <p:childTnLst>
+                                    <p:set>
+                                      <p:cBhvr>
+                                        <p:cTn id="6" dur="1" fill="hold">
+                                          <p:stCondLst>
+                                            <p:cond delay="0"/>
+                                          </p:stCondLst>
+                                        </p:cTn>
+                                        <p:tgtEl>
+                                          <p:spTgt spid="3">
+                                            <p:txEl>
+                                              <p:pRg st="0" end="0"/>
+                                            </p:txEl>
+                                          </p:spTgt>
+                                        </p:tgtEl>
+                                        <p:attrNameLst>
+                                          <p:attrName>style.visibility</p:attrName>
+                                        </p:attrNameLst>
+                                      </p:cBhvr>
+                                      <p:to>
+                                        <p:strVal val="visible"/>
+                                      </p:to>
+                                    </p:set>
+                                    <p:animEffect transition="in" filter="fade">
+                                      <p:cBhvr>
+                                        <p:cTn id="7" dur="500"/>
+                                        <p:tgtEl>
+                                          <p:spTgt spid="3">
+                                            <p:txEl>
+                                              <p:pRg st="0" end="0"/>
+                                            </p:txEl>
+                                          </p:spTgt>
+                                        </p:tgtEl>
+                                      </p:cBhvr>
+                                    </p:animEffect>
+                                  </p:childTnLst>
+                                </p:cTn>
+                              </p:par>
+                              <p:par>
+                                <p:cTn id="8" presetID="10" presetClass="entr" presetSubtype="0" fill="hold" grpId="0" nodeType="withEffect">
+                                  <p:stCondLst>
+                                    <p:cond delay="0"/>
+                                  </p:stCondLst>
+                                  <p:childTnLst>
+                                    <p:set>
+                                      <p:cBhvr>
+                                        <p:cTn id="9" dur="1" fill="hold">
+                                          <p:stCondLst>
+                                            <p:cond delay="0"/>
+                                          </p:stCondLst>
+                                        </p:cTn>
+                                        <p:tgtEl>
+                                          <p:spTgt spid="3">
+                                            <p:txEl>
+                                              <p:pRg st="1" end="1"/>
+                                            </p:txEl>
+                                          </p:spTgt>
+                                        </p:tgtEl>
+                                        <p:attrNameLst>
+                                          <p:attrName>style.visibility</p:attrName>
+                                        </p:attrNameLst>
+                                      </p:cBhvr>
+                                      <p:to>
+                                        <p:strVal val="visible"/>
+                                      </p:to>
+                                    </p:set>
+                                    <p:animEffect transition="in" filter="fade">
+                                      <p:cBhvr>
+                                        <p:cTn id="10" dur="500"/>
+                                        <p:tgtEl>
+                                          <p:spTgt spid="3">
+                                            <p:txEl>
+                                              <p:pRg st="1" end="1"/>
+                                            </p:txEl>
+                                          </p:spTgt>
+                                        </p:tgtEl>
+                                      </p:cBhvr>
+                                    </p:animEffect>
+                                  </p:childTnLst>
+                                </p:cTn>
+                              </p:par>
+                            </p:childTnLst>
+                          </p:cTn>
+                        </p:par>
+                      </p:childTnLst>
+                    </p:cTn>
+                  </p:par>
+                  <p:par>
+                    <p:cTn id="11" fill="hold">
+                      <p:stCondLst>
+                        <p:cond delay="indefinite"/>
+                      </p:stCondLst>
+                      <p:childTnLst>
+                        <p:par>
+                          <p:cTn id="12" fill="hold">
+                            <p:stCondLst>
+                              <p:cond delay="0"/>
+                            </p:stCondLst>
+                            <p:childTnLst>
+                              <p:par>
+                                <p:cTn id="13" presetID="10" presetClass="entr" presetSubtype="0" fill="hold" grpId="0" nodeType="clickEffect">
+                                  <p:stCondLst>
+                                    <p:cond delay="0"/>
+                                  </p:stCondLst>
+                                  <p:childTnLst>
+                                    <p:set>
+                                      <p:cBhvr>
+                                        <p:cTn id="14" dur="1" fill="hold">
+                                          <p:stCondLst>
+                                            <p:cond delay="0"/>
+                                          </p:stCondLst>
+                                        </p:cTn>
+                                        <p:tgtEl>
+                                          <p:spTgt spid="3">
+                                            <p:txEl>
+                                              <p:pRg st="2" end="2"/>
+                                            </p:txEl>
+                                          </p:spTgt>
+                                        </p:tgtEl>
+                                        <p:attrNameLst>
+                                          <p:attrName>style.visibility</p:attrName>
+                                        </p:attrNameLst>
+                                      </p:cBhvr>
+                                      <p:to>
+                                        <p:strVal val="visible"/>
+                                      </p:to>
+                                    </p:set>
+                                    <p:animEffect transition="in" filter="fade">
+                                      <p:cBhvr>
+                                        <p:cTn id="15" dur="500"/>
+                                        <p:tgtEl>
+                                          <p:spTgt spid="3">
+                                            <p:txEl>
+                                              <p:pRg st="2" end="2"/>
+                                            </p:txEl>
+                                          </p:spTgt>
+                                        </p:tgtEl>
+                                      </p:cBhvr>
+                                    </p:animEffect>
+                                  </p:childTnLst>
+                                </p:cTn>
+                              </p:par>
+                              <p:par>
+                                <p:cTn id="16" presetID="10" presetClass="entr" presetSubtype="0" fill="hold" grpId="0" nodeType="withEffect">
+                                  <p:stCondLst>
+                                    <p:cond delay="0"/>
+                                  </p:stCondLst>
+                                  <p:childTnLst>
+                                    <p:set>
+                                      <p:cBhvr>
+                                        <p:cTn id="17" dur="1" fill="hold">
+                                          <p:stCondLst>
+                                            <p:cond delay="0"/>
+                                          </p:stCondLst>
+                                        </p:cTn>
+                                        <p:tgtEl>
+                                          <p:spTgt spid="3">
+                                            <p:txEl>
+                                              <p:pRg st="3" end="3"/>
+                                            </p:txEl>
+                                          </p:spTgt>
+                                        </p:tgtEl>
+                                        <p:attrNameLst>
+                                          <p:attrName>style.visibility</p:attrName>
+                                        </p:attrNameLst>
+                                      </p:cBhvr>
+                                      <p:to>
+                                        <p:strVal val="visible"/>
+                                      </p:to>
+                                    </p:set>
+                                    <p:animEffect transition="in" filter="fade">
+                                      <p:cBhvr>
+                                        <p:cTn id="18" dur="500"/>
+                                        <p:tgtEl>
+                                          <p:spTgt spid="3">
+                                            <p:txEl>
+                                              <p:pRg st="3" end="3"/>
+                                            </p:txEl>
+                                          </p:spTgt>
+                                        </p:tgtEl>
+                                      </p:cBhvr>
+                                    </p:animEffect>
+                                  </p:childTnLst>
+                                </p:cTn>
+                              </p:par>
+                              <p:par>
+                                <p:cTn id="19" presetID="10" presetClass="entr" presetSubtype="0" fill="hold" grpId="0" nodeType="withEffect">
+                                  <p:stCondLst>
+                                    <p:cond delay="0"/>
+                                  </p:stCondLst>
+                                  <p:childTnLst>
+                                    <p:set>
+                                      <p:cBhvr>
+                                        <p:cTn id="20" dur="1" fill="hold">
+                                          <p:stCondLst>
+                                            <p:cond delay="0"/>
+                                          </p:stCondLst>
+                                        </p:cTn>
+                                        <p:tgtEl>
+                                          <p:spTgt spid="3">
+                                            <p:txEl>
+                                              <p:pRg st="4" end="4"/>
+                                            </p:txEl>
+                                          </p:spTgt>
+                                        </p:tgtEl>
+                                        <p:attrNameLst>
+                                          <p:attrName>style.visibility</p:attrName>
+                                        </p:attrNameLst>
+                                      </p:cBhvr>
+                                      <p:to>
+                                        <p:strVal val="visible"/>
+                                      </p:to>
+                                    </p:set>
+                                    <p:animEffect transition="in" filter="fade">
+                                      <p:cBhvr>
+                                        <p:cTn id="21" dur="500"/>
+                                        <p:tgtEl>
+                                          <p:spTgt spid="3">
+                                            <p:txEl>
+                                              <p:pRg st="4" end="4"/>
+                                            </p:txEl>
+                                          </p:spTgt>
+                                        </p:tgtEl>
+                                      </p:cBhvr>
+                                    </p:animEffect>
+                                  </p:childTnLst>
+                                </p:cTn>
+                              </p:par>
+                              <p:par>
+                                <p:cTn id="22" presetID="10" presetClass="entr" presetSubtype="0" fill="hold" grpId="0" nodeType="withEffect">
+                                  <p:stCondLst>
+                                    <p:cond delay="0"/>
+                                  </p:stCondLst>
+                                  <p:childTnLst>
+                                    <p:set>
+                                      <p:cBhvr>
+                                        <p:cTn id="23" dur="1" fill="hold">
+                                          <p:stCondLst>
+                                            <p:cond delay="0"/>
+                                          </p:stCondLst>
+                                        </p:cTn>
+                                        <p:tgtEl>
+                                          <p:spTgt spid="3">
+                                            <p:txEl>
+                                              <p:pRg st="5" end="5"/>
+                                            </p:txEl>
+                                          </p:spTgt>
+                                        </p:tgtEl>
+                                        <p:attrNameLst>
+                                          <p:attrName>style.visibility</p:attrName>
+                                        </p:attrNameLst>
+                                      </p:cBhvr>
+                                      <p:to>
+                                        <p:strVal val="visible"/>
+                                      </p:to>
+                                    </p:set>
+                                    <p:animEffect transition="in" filter="fade">
+                                      <p:cBhvr>
+                                        <p:cTn id="24" dur="500"/>
+                                        <p:tgtEl>
+                                          <p:spTgt spid="3">
+                                            <p:txEl>
+                                              <p:pRg st="5" end="5"/>
+                                            </p:txEl>
+                                          </p:spTgt>
+                                        </p:tgtEl>
+                                      </p:cBhvr>
+                                    </p:animEffect>
+                                  </p:childTnLst>
+                                </p:cTn>
+                              </p:par>
+                            </p:childTnLst>
+                          </p:cTn>
+                        </p:par>
+                      </p:childTnLst>
+                    </p:cTn>
+                  </p:par>
+                </p:childTnLst>
+              </p:cTn>
+              <p:prevCondLst>
+                <p:cond evt="onPrev" delay="0">
+                  <p:tgtEl>
+                    <p:sldTgt/>
+                  </p:tgtEl>
+                </p:cond>
+              </p:prevCondLst>
+              <p:nextCondLst>
+                <p:cond evt="onNext" delay="0">
+                  <p:tgtEl>
+                    <p:sldTgt/>
+                  </p:tgtEl>
+                </p:cond>
+              </p:nextCondLst>
+            </p:seq>
+          </p:childTnLst>
+        </p:cTn>
       </p:par>
     </p:tnLst>
+    <p:bldLst>
+      <p:bldP spid="3" grpId="0" build="p"/>
+    </p:bldLst>
   </p:timing>
 </p:sld>
 </file>
@@ -8984,7 +10784,539 @@
   <p:timing>
     <p:tnLst>
       <p:par>
-        <p:cTn id="1" dur="indefinite" restart="never" nodeType="tmRoot"/>
+        <p:cTn id="1" dur="indefinite" restart="never" nodeType="tmRoot">
+          <p:childTnLst>
+            <p:seq concurrent="1" nextAc="seek">
+              <p:cTn id="2" dur="indefinite" nodeType="mainSeq">
+                <p:childTnLst>
+                  <p:par>
+                    <p:cTn id="3" fill="hold">
+                      <p:stCondLst>
+                        <p:cond delay="indefinite"/>
+                      </p:stCondLst>
+                      <p:childTnLst>
+                        <p:par>
+                          <p:cTn id="4" fill="hold">
+                            <p:stCondLst>
+                              <p:cond delay="0"/>
+                            </p:stCondLst>
+                            <p:childTnLst>
+                              <p:par>
+                                <p:cTn id="5" presetID="10" presetClass="entr" presetSubtype="0" fill="hold" nodeType="clickEffect">
+                                  <p:stCondLst>
+                                    <p:cond delay="0"/>
+                                  </p:stCondLst>
+                                  <p:childTnLst>
+                                    <p:set>
+                                      <p:cBhvr>
+                                        <p:cTn id="6" dur="1" fill="hold">
+                                          <p:stCondLst>
+                                            <p:cond delay="0"/>
+                                          </p:stCondLst>
+                                        </p:cTn>
+                                        <p:tgtEl>
+                                          <p:spTgt spid="4">
+                                            <p:txEl>
+                                              <p:pRg st="4" end="4"/>
+                                            </p:txEl>
+                                          </p:spTgt>
+                                        </p:tgtEl>
+                                        <p:attrNameLst>
+                                          <p:attrName>style.visibility</p:attrName>
+                                        </p:attrNameLst>
+                                      </p:cBhvr>
+                                      <p:to>
+                                        <p:strVal val="visible"/>
+                                      </p:to>
+                                    </p:set>
+                                    <p:animEffect transition="in" filter="fade">
+                                      <p:cBhvr>
+                                        <p:cTn id="7" dur="500"/>
+                                        <p:tgtEl>
+                                          <p:spTgt spid="4">
+                                            <p:txEl>
+                                              <p:pRg st="4" end="4"/>
+                                            </p:txEl>
+                                          </p:spTgt>
+                                        </p:tgtEl>
+                                      </p:cBhvr>
+                                    </p:animEffect>
+                                  </p:childTnLst>
+                                </p:cTn>
+                              </p:par>
+                              <p:par>
+                                <p:cTn id="8" presetID="10" presetClass="entr" presetSubtype="0" fill="hold" nodeType="withEffect">
+                                  <p:stCondLst>
+                                    <p:cond delay="0"/>
+                                  </p:stCondLst>
+                                  <p:childTnLst>
+                                    <p:set>
+                                      <p:cBhvr>
+                                        <p:cTn id="9" dur="1" fill="hold">
+                                          <p:stCondLst>
+                                            <p:cond delay="0"/>
+                                          </p:stCondLst>
+                                        </p:cTn>
+                                        <p:tgtEl>
+                                          <p:spTgt spid="4">
+                                            <p:txEl>
+                                              <p:pRg st="5" end="5"/>
+                                            </p:txEl>
+                                          </p:spTgt>
+                                        </p:tgtEl>
+                                        <p:attrNameLst>
+                                          <p:attrName>style.visibility</p:attrName>
+                                        </p:attrNameLst>
+                                      </p:cBhvr>
+                                      <p:to>
+                                        <p:strVal val="visible"/>
+                                      </p:to>
+                                    </p:set>
+                                    <p:animEffect transition="in" filter="fade">
+                                      <p:cBhvr>
+                                        <p:cTn id="10" dur="500"/>
+                                        <p:tgtEl>
+                                          <p:spTgt spid="4">
+                                            <p:txEl>
+                                              <p:pRg st="5" end="5"/>
+                                            </p:txEl>
+                                          </p:spTgt>
+                                        </p:tgtEl>
+                                      </p:cBhvr>
+                                    </p:animEffect>
+                                  </p:childTnLst>
+                                </p:cTn>
+                              </p:par>
+                              <p:par>
+                                <p:cTn id="11" presetID="10" presetClass="entr" presetSubtype="0" fill="hold" nodeType="withEffect">
+                                  <p:stCondLst>
+                                    <p:cond delay="0"/>
+                                  </p:stCondLst>
+                                  <p:childTnLst>
+                                    <p:set>
+                                      <p:cBhvr>
+                                        <p:cTn id="12" dur="1" fill="hold">
+                                          <p:stCondLst>
+                                            <p:cond delay="0"/>
+                                          </p:stCondLst>
+                                        </p:cTn>
+                                        <p:tgtEl>
+                                          <p:spTgt spid="4">
+                                            <p:txEl>
+                                              <p:pRg st="6" end="6"/>
+                                            </p:txEl>
+                                          </p:spTgt>
+                                        </p:tgtEl>
+                                        <p:attrNameLst>
+                                          <p:attrName>style.visibility</p:attrName>
+                                        </p:attrNameLst>
+                                      </p:cBhvr>
+                                      <p:to>
+                                        <p:strVal val="visible"/>
+                                      </p:to>
+                                    </p:set>
+                                    <p:animEffect transition="in" filter="fade">
+                                      <p:cBhvr>
+                                        <p:cTn id="13" dur="500"/>
+                                        <p:tgtEl>
+                                          <p:spTgt spid="4">
+                                            <p:txEl>
+                                              <p:pRg st="6" end="6"/>
+                                            </p:txEl>
+                                          </p:spTgt>
+                                        </p:tgtEl>
+                                      </p:cBhvr>
+                                    </p:animEffect>
+                                  </p:childTnLst>
+                                </p:cTn>
+                              </p:par>
+                              <p:par>
+                                <p:cTn id="14" presetID="10" presetClass="entr" presetSubtype="0" fill="hold" nodeType="withEffect">
+                                  <p:stCondLst>
+                                    <p:cond delay="0"/>
+                                  </p:stCondLst>
+                                  <p:childTnLst>
+                                    <p:set>
+                                      <p:cBhvr>
+                                        <p:cTn id="15" dur="1" fill="hold">
+                                          <p:stCondLst>
+                                            <p:cond delay="0"/>
+                                          </p:stCondLst>
+                                        </p:cTn>
+                                        <p:tgtEl>
+                                          <p:spTgt spid="4">
+                                            <p:txEl>
+                                              <p:pRg st="7" end="7"/>
+                                            </p:txEl>
+                                          </p:spTgt>
+                                        </p:tgtEl>
+                                        <p:attrNameLst>
+                                          <p:attrName>style.visibility</p:attrName>
+                                        </p:attrNameLst>
+                                      </p:cBhvr>
+                                      <p:to>
+                                        <p:strVal val="visible"/>
+                                      </p:to>
+                                    </p:set>
+                                    <p:animEffect transition="in" filter="fade">
+                                      <p:cBhvr>
+                                        <p:cTn id="16" dur="500"/>
+                                        <p:tgtEl>
+                                          <p:spTgt spid="4">
+                                            <p:txEl>
+                                              <p:pRg st="7" end="7"/>
+                                            </p:txEl>
+                                          </p:spTgt>
+                                        </p:tgtEl>
+                                      </p:cBhvr>
+                                    </p:animEffect>
+                                  </p:childTnLst>
+                                </p:cTn>
+                              </p:par>
+                              <p:par>
+                                <p:cTn id="17" presetID="10" presetClass="entr" presetSubtype="0" fill="hold" nodeType="withEffect">
+                                  <p:stCondLst>
+                                    <p:cond delay="0"/>
+                                  </p:stCondLst>
+                                  <p:childTnLst>
+                                    <p:set>
+                                      <p:cBhvr>
+                                        <p:cTn id="18" dur="1" fill="hold">
+                                          <p:stCondLst>
+                                            <p:cond delay="0"/>
+                                          </p:stCondLst>
+                                        </p:cTn>
+                                        <p:tgtEl>
+                                          <p:spTgt spid="4">
+                                            <p:txEl>
+                                              <p:pRg st="8" end="8"/>
+                                            </p:txEl>
+                                          </p:spTgt>
+                                        </p:tgtEl>
+                                        <p:attrNameLst>
+                                          <p:attrName>style.visibility</p:attrName>
+                                        </p:attrNameLst>
+                                      </p:cBhvr>
+                                      <p:to>
+                                        <p:strVal val="visible"/>
+                                      </p:to>
+                                    </p:set>
+                                    <p:animEffect transition="in" filter="fade">
+                                      <p:cBhvr>
+                                        <p:cTn id="19" dur="500"/>
+                                        <p:tgtEl>
+                                          <p:spTgt spid="4">
+                                            <p:txEl>
+                                              <p:pRg st="8" end="8"/>
+                                            </p:txEl>
+                                          </p:spTgt>
+                                        </p:tgtEl>
+                                      </p:cBhvr>
+                                    </p:animEffect>
+                                  </p:childTnLst>
+                                </p:cTn>
+                              </p:par>
+                              <p:par>
+                                <p:cTn id="20" presetID="10" presetClass="entr" presetSubtype="0" fill="hold" nodeType="withEffect">
+                                  <p:stCondLst>
+                                    <p:cond delay="0"/>
+                                  </p:stCondLst>
+                                  <p:childTnLst>
+                                    <p:set>
+                                      <p:cBhvr>
+                                        <p:cTn id="21" dur="1" fill="hold">
+                                          <p:stCondLst>
+                                            <p:cond delay="0"/>
+                                          </p:stCondLst>
+                                        </p:cTn>
+                                        <p:tgtEl>
+                                          <p:spTgt spid="4">
+                                            <p:txEl>
+                                              <p:pRg st="9" end="9"/>
+                                            </p:txEl>
+                                          </p:spTgt>
+                                        </p:tgtEl>
+                                        <p:attrNameLst>
+                                          <p:attrName>style.visibility</p:attrName>
+                                        </p:attrNameLst>
+                                      </p:cBhvr>
+                                      <p:to>
+                                        <p:strVal val="visible"/>
+                                      </p:to>
+                                    </p:set>
+                                    <p:animEffect transition="in" filter="fade">
+                                      <p:cBhvr>
+                                        <p:cTn id="22" dur="500"/>
+                                        <p:tgtEl>
+                                          <p:spTgt spid="4">
+                                            <p:txEl>
+                                              <p:pRg st="9" end="9"/>
+                                            </p:txEl>
+                                          </p:spTgt>
+                                        </p:tgtEl>
+                                      </p:cBhvr>
+                                    </p:animEffect>
+                                  </p:childTnLst>
+                                </p:cTn>
+                              </p:par>
+                            </p:childTnLst>
+                          </p:cTn>
+                        </p:par>
+                      </p:childTnLst>
+                    </p:cTn>
+                  </p:par>
+                  <p:par>
+                    <p:cTn id="23" fill="hold">
+                      <p:stCondLst>
+                        <p:cond delay="indefinite"/>
+                      </p:stCondLst>
+                      <p:childTnLst>
+                        <p:par>
+                          <p:cTn id="24" fill="hold">
+                            <p:stCondLst>
+                              <p:cond delay="0"/>
+                            </p:stCondLst>
+                            <p:childTnLst>
+                              <p:par>
+                                <p:cTn id="25" presetID="10" presetClass="entr" presetSubtype="0" fill="hold" nodeType="clickEffect">
+                                  <p:stCondLst>
+                                    <p:cond delay="0"/>
+                                  </p:stCondLst>
+                                  <p:childTnLst>
+                                    <p:set>
+                                      <p:cBhvr>
+                                        <p:cTn id="26" dur="1" fill="hold">
+                                          <p:stCondLst>
+                                            <p:cond delay="0"/>
+                                          </p:stCondLst>
+                                        </p:cTn>
+                                        <p:tgtEl>
+                                          <p:spTgt spid="4">
+                                            <p:txEl>
+                                              <p:pRg st="14" end="14"/>
+                                            </p:txEl>
+                                          </p:spTgt>
+                                        </p:tgtEl>
+                                        <p:attrNameLst>
+                                          <p:attrName>style.visibility</p:attrName>
+                                        </p:attrNameLst>
+                                      </p:cBhvr>
+                                      <p:to>
+                                        <p:strVal val="visible"/>
+                                      </p:to>
+                                    </p:set>
+                                    <p:animEffect transition="in" filter="fade">
+                                      <p:cBhvr>
+                                        <p:cTn id="27" dur="500"/>
+                                        <p:tgtEl>
+                                          <p:spTgt spid="4">
+                                            <p:txEl>
+                                              <p:pRg st="14" end="14"/>
+                                            </p:txEl>
+                                          </p:spTgt>
+                                        </p:tgtEl>
+                                      </p:cBhvr>
+                                    </p:animEffect>
+                                  </p:childTnLst>
+                                </p:cTn>
+                              </p:par>
+                              <p:par>
+                                <p:cTn id="28" presetID="10" presetClass="entr" presetSubtype="0" fill="hold" nodeType="withEffect">
+                                  <p:stCondLst>
+                                    <p:cond delay="0"/>
+                                  </p:stCondLst>
+                                  <p:childTnLst>
+                                    <p:set>
+                                      <p:cBhvr>
+                                        <p:cTn id="29" dur="1" fill="hold">
+                                          <p:stCondLst>
+                                            <p:cond delay="0"/>
+                                          </p:stCondLst>
+                                        </p:cTn>
+                                        <p:tgtEl>
+                                          <p:spTgt spid="4">
+                                            <p:txEl>
+                                              <p:pRg st="15" end="15"/>
+                                            </p:txEl>
+                                          </p:spTgt>
+                                        </p:tgtEl>
+                                        <p:attrNameLst>
+                                          <p:attrName>style.visibility</p:attrName>
+                                        </p:attrNameLst>
+                                      </p:cBhvr>
+                                      <p:to>
+                                        <p:strVal val="visible"/>
+                                      </p:to>
+                                    </p:set>
+                                    <p:animEffect transition="in" filter="fade">
+                                      <p:cBhvr>
+                                        <p:cTn id="30" dur="500"/>
+                                        <p:tgtEl>
+                                          <p:spTgt spid="4">
+                                            <p:txEl>
+                                              <p:pRg st="15" end="15"/>
+                                            </p:txEl>
+                                          </p:spTgt>
+                                        </p:tgtEl>
+                                      </p:cBhvr>
+                                    </p:animEffect>
+                                  </p:childTnLst>
+                                </p:cTn>
+                              </p:par>
+                              <p:par>
+                                <p:cTn id="31" presetID="10" presetClass="entr" presetSubtype="0" fill="hold" nodeType="withEffect">
+                                  <p:stCondLst>
+                                    <p:cond delay="0"/>
+                                  </p:stCondLst>
+                                  <p:childTnLst>
+                                    <p:set>
+                                      <p:cBhvr>
+                                        <p:cTn id="32" dur="1" fill="hold">
+                                          <p:stCondLst>
+                                            <p:cond delay="0"/>
+                                          </p:stCondLst>
+                                        </p:cTn>
+                                        <p:tgtEl>
+                                          <p:spTgt spid="4">
+                                            <p:txEl>
+                                              <p:pRg st="16" end="16"/>
+                                            </p:txEl>
+                                          </p:spTgt>
+                                        </p:tgtEl>
+                                        <p:attrNameLst>
+                                          <p:attrName>style.visibility</p:attrName>
+                                        </p:attrNameLst>
+                                      </p:cBhvr>
+                                      <p:to>
+                                        <p:strVal val="visible"/>
+                                      </p:to>
+                                    </p:set>
+                                    <p:animEffect transition="in" filter="fade">
+                                      <p:cBhvr>
+                                        <p:cTn id="33" dur="500"/>
+                                        <p:tgtEl>
+                                          <p:spTgt spid="4">
+                                            <p:txEl>
+                                              <p:pRg st="16" end="16"/>
+                                            </p:txEl>
+                                          </p:spTgt>
+                                        </p:tgtEl>
+                                      </p:cBhvr>
+                                    </p:animEffect>
+                                  </p:childTnLst>
+                                </p:cTn>
+                              </p:par>
+                              <p:par>
+                                <p:cTn id="34" presetID="10" presetClass="entr" presetSubtype="0" fill="hold" nodeType="withEffect">
+                                  <p:stCondLst>
+                                    <p:cond delay="0"/>
+                                  </p:stCondLst>
+                                  <p:childTnLst>
+                                    <p:set>
+                                      <p:cBhvr>
+                                        <p:cTn id="35" dur="1" fill="hold">
+                                          <p:stCondLst>
+                                            <p:cond delay="0"/>
+                                          </p:stCondLst>
+                                        </p:cTn>
+                                        <p:tgtEl>
+                                          <p:spTgt spid="4">
+                                            <p:txEl>
+                                              <p:pRg st="17" end="17"/>
+                                            </p:txEl>
+                                          </p:spTgt>
+                                        </p:tgtEl>
+                                        <p:attrNameLst>
+                                          <p:attrName>style.visibility</p:attrName>
+                                        </p:attrNameLst>
+                                      </p:cBhvr>
+                                      <p:to>
+                                        <p:strVal val="visible"/>
+                                      </p:to>
+                                    </p:set>
+                                    <p:animEffect transition="in" filter="fade">
+                                      <p:cBhvr>
+                                        <p:cTn id="36" dur="500"/>
+                                        <p:tgtEl>
+                                          <p:spTgt spid="4">
+                                            <p:txEl>
+                                              <p:pRg st="17" end="17"/>
+                                            </p:txEl>
+                                          </p:spTgt>
+                                        </p:tgtEl>
+                                      </p:cBhvr>
+                                    </p:animEffect>
+                                  </p:childTnLst>
+                                </p:cTn>
+                              </p:par>
+                              <p:par>
+                                <p:cTn id="37" presetID="10" presetClass="entr" presetSubtype="0" fill="hold" nodeType="withEffect">
+                                  <p:stCondLst>
+                                    <p:cond delay="0"/>
+                                  </p:stCondLst>
+                                  <p:childTnLst>
+                                    <p:set>
+                                      <p:cBhvr>
+                                        <p:cTn id="38" dur="1" fill="hold">
+                                          <p:stCondLst>
+                                            <p:cond delay="0"/>
+                                          </p:stCondLst>
+                                        </p:cTn>
+                                        <p:tgtEl>
+                                          <p:spTgt spid="4">
+                                            <p:txEl>
+                                              <p:pRg st="18" end="18"/>
+                                            </p:txEl>
+                                          </p:spTgt>
+                                        </p:tgtEl>
+                                        <p:attrNameLst>
+                                          <p:attrName>style.visibility</p:attrName>
+                                        </p:attrNameLst>
+                                      </p:cBhvr>
+                                      <p:to>
+                                        <p:strVal val="visible"/>
+                                      </p:to>
+                                    </p:set>
+                                    <p:animEffect transition="in" filter="fade">
+                                      <p:cBhvr>
+                                        <p:cTn id="39" dur="500"/>
+                                        <p:tgtEl>
+                                          <p:spTgt spid="4">
+                                            <p:txEl>
+                                              <p:pRg st="18" end="18"/>
+                                            </p:txEl>
+                                          </p:spTgt>
+                                        </p:tgtEl>
+                                      </p:cBhvr>
+                                    </p:animEffect>
+                                  </p:childTnLst>
+                                </p:cTn>
+                              </p:par>
+                            </p:childTnLst>
+                          </p:cTn>
+                        </p:par>
+                      </p:childTnLst>
+                    </p:cTn>
+                  </p:par>
+                </p:childTnLst>
+              </p:cTn>
+              <p:prevCondLst>
+                <p:cond evt="onPrev" delay="0">
+                  <p:tgtEl>
+                    <p:sldTgt/>
+                  </p:tgtEl>
+                </p:cond>
+              </p:prevCondLst>
+              <p:nextCondLst>
+                <p:cond evt="onNext" delay="0">
+                  <p:tgtEl>
+                    <p:sldTgt/>
+                  </p:tgtEl>
+                </p:cond>
+              </p:nextCondLst>
+            </p:seq>
+          </p:childTnLst>
+        </p:cTn>
       </p:par>
     </p:tnLst>
   </p:timing>
@@ -9611,9 +11943,88 @@
   <p:timing>
     <p:tnLst>
       <p:par>
-        <p:cTn id="1" dur="indefinite" restart="never" nodeType="tmRoot"/>
+        <p:cTn id="1" dur="indefinite" restart="never" nodeType="tmRoot">
+          <p:childTnLst>
+            <p:seq concurrent="1" nextAc="seek">
+              <p:cTn id="2" dur="indefinite" nodeType="mainSeq">
+                <p:childTnLst>
+                  <p:par>
+                    <p:cTn id="3" fill="hold">
+                      <p:stCondLst>
+                        <p:cond delay="indefinite"/>
+                      </p:stCondLst>
+                      <p:childTnLst>
+                        <p:par>
+                          <p:cTn id="4" fill="hold">
+                            <p:stCondLst>
+                              <p:cond delay="0"/>
+                            </p:stCondLst>
+                            <p:childTnLst>
+                              <p:par>
+                                <p:cTn id="5" presetID="10" presetClass="entr" presetSubtype="0" fill="hold" grpId="0" nodeType="clickEffect">
+                                  <p:stCondLst>
+                                    <p:cond delay="0"/>
+                                  </p:stCondLst>
+                                  <p:childTnLst>
+                                    <p:set>
+                                      <p:cBhvr>
+                                        <p:cTn id="6" dur="1" fill="hold">
+                                          <p:stCondLst>
+                                            <p:cond delay="0"/>
+                                          </p:stCondLst>
+                                        </p:cTn>
+                                        <p:tgtEl>
+                                          <p:spTgt spid="6"/>
+                                        </p:tgtEl>
+                                        <p:attrNameLst>
+                                          <p:attrName>style.visibility</p:attrName>
+                                        </p:attrNameLst>
+                                      </p:cBhvr>
+                                      <p:to>
+                                        <p:strVal val="visible"/>
+                                      </p:to>
+                                    </p:set>
+                                    <p:animEffect transition="in" filter="fade">
+                                      <p:cBhvr>
+                                        <p:cTn id="7" dur="500"/>
+                                        <p:tgtEl>
+                                          <p:spTgt spid="6"/>
+                                        </p:tgtEl>
+                                      </p:cBhvr>
+                                    </p:animEffect>
+                                  </p:childTnLst>
+                                </p:cTn>
+                              </p:par>
+                            </p:childTnLst>
+                          </p:cTn>
+                        </p:par>
+                      </p:childTnLst>
+                    </p:cTn>
+                  </p:par>
+                </p:childTnLst>
+              </p:cTn>
+              <p:prevCondLst>
+                <p:cond evt="onPrev" delay="0">
+                  <p:tgtEl>
+                    <p:sldTgt/>
+                  </p:tgtEl>
+                </p:cond>
+              </p:prevCondLst>
+              <p:nextCondLst>
+                <p:cond evt="onNext" delay="0">
+                  <p:tgtEl>
+                    <p:sldTgt/>
+                  </p:tgtEl>
+                </p:cond>
+              </p:nextCondLst>
+            </p:seq>
+          </p:childTnLst>
+        </p:cTn>
       </p:par>
     </p:tnLst>
+    <p:bldLst>
+      <p:bldP spid="6" grpId="0"/>
+    </p:bldLst>
   </p:timing>
 </p:sld>
 </file>
@@ -9749,9 +12160,372 @@
   <p:timing>
     <p:tnLst>
       <p:par>
-        <p:cTn id="1" dur="indefinite" restart="never" nodeType="tmRoot"/>
+        <p:cTn id="1" dur="indefinite" restart="never" nodeType="tmRoot">
+          <p:childTnLst>
+            <p:seq concurrent="1" nextAc="seek">
+              <p:cTn id="2" dur="indefinite" nodeType="mainSeq">
+                <p:childTnLst>
+                  <p:par>
+                    <p:cTn id="3" fill="hold">
+                      <p:stCondLst>
+                        <p:cond delay="indefinite"/>
+                      </p:stCondLst>
+                      <p:childTnLst>
+                        <p:par>
+                          <p:cTn id="4" fill="hold">
+                            <p:stCondLst>
+                              <p:cond delay="0"/>
+                            </p:stCondLst>
+                            <p:childTnLst>
+                              <p:par>
+                                <p:cTn id="5" presetID="10" presetClass="entr" presetSubtype="0" fill="hold" grpId="0" nodeType="clickEffect">
+                                  <p:stCondLst>
+                                    <p:cond delay="0"/>
+                                  </p:stCondLst>
+                                  <p:childTnLst>
+                                    <p:set>
+                                      <p:cBhvr>
+                                        <p:cTn id="6" dur="1" fill="hold">
+                                          <p:stCondLst>
+                                            <p:cond delay="0"/>
+                                          </p:stCondLst>
+                                        </p:cTn>
+                                        <p:tgtEl>
+                                          <p:spTgt spid="4">
+                                            <p:txEl>
+                                              <p:pRg st="0" end="0"/>
+                                            </p:txEl>
+                                          </p:spTgt>
+                                        </p:tgtEl>
+                                        <p:attrNameLst>
+                                          <p:attrName>style.visibility</p:attrName>
+                                        </p:attrNameLst>
+                                      </p:cBhvr>
+                                      <p:to>
+                                        <p:strVal val="visible"/>
+                                      </p:to>
+                                    </p:set>
+                                    <p:animEffect transition="in" filter="fade">
+                                      <p:cBhvr>
+                                        <p:cTn id="7" dur="500"/>
+                                        <p:tgtEl>
+                                          <p:spTgt spid="4">
+                                            <p:txEl>
+                                              <p:pRg st="0" end="0"/>
+                                            </p:txEl>
+                                          </p:spTgt>
+                                        </p:tgtEl>
+                                      </p:cBhvr>
+                                    </p:animEffect>
+                                  </p:childTnLst>
+                                </p:cTn>
+                              </p:par>
+                              <p:par>
+                                <p:cTn id="8" presetID="10" presetClass="entr" presetSubtype="0" fill="hold" grpId="0" nodeType="withEffect">
+                                  <p:stCondLst>
+                                    <p:cond delay="0"/>
+                                  </p:stCondLst>
+                                  <p:childTnLst>
+                                    <p:set>
+                                      <p:cBhvr>
+                                        <p:cTn id="9" dur="1" fill="hold">
+                                          <p:stCondLst>
+                                            <p:cond delay="0"/>
+                                          </p:stCondLst>
+                                        </p:cTn>
+                                        <p:tgtEl>
+                                          <p:spTgt spid="4">
+                                            <p:txEl>
+                                              <p:pRg st="1" end="1"/>
+                                            </p:txEl>
+                                          </p:spTgt>
+                                        </p:tgtEl>
+                                        <p:attrNameLst>
+                                          <p:attrName>style.visibility</p:attrName>
+                                        </p:attrNameLst>
+                                      </p:cBhvr>
+                                      <p:to>
+                                        <p:strVal val="visible"/>
+                                      </p:to>
+                                    </p:set>
+                                    <p:animEffect transition="in" filter="fade">
+                                      <p:cBhvr>
+                                        <p:cTn id="10" dur="500"/>
+                                        <p:tgtEl>
+                                          <p:spTgt spid="4">
+                                            <p:txEl>
+                                              <p:pRg st="1" end="1"/>
+                                            </p:txEl>
+                                          </p:spTgt>
+                                        </p:tgtEl>
+                                      </p:cBhvr>
+                                    </p:animEffect>
+                                  </p:childTnLst>
+                                </p:cTn>
+                              </p:par>
+                              <p:par>
+                                <p:cTn id="11" presetID="10" presetClass="entr" presetSubtype="0" fill="hold" grpId="0" nodeType="withEffect">
+                                  <p:stCondLst>
+                                    <p:cond delay="0"/>
+                                  </p:stCondLst>
+                                  <p:childTnLst>
+                                    <p:set>
+                                      <p:cBhvr>
+                                        <p:cTn id="12" dur="1" fill="hold">
+                                          <p:stCondLst>
+                                            <p:cond delay="0"/>
+                                          </p:stCondLst>
+                                        </p:cTn>
+                                        <p:tgtEl>
+                                          <p:spTgt spid="4">
+                                            <p:txEl>
+                                              <p:pRg st="2" end="2"/>
+                                            </p:txEl>
+                                          </p:spTgt>
+                                        </p:tgtEl>
+                                        <p:attrNameLst>
+                                          <p:attrName>style.visibility</p:attrName>
+                                        </p:attrNameLst>
+                                      </p:cBhvr>
+                                      <p:to>
+                                        <p:strVal val="visible"/>
+                                      </p:to>
+                                    </p:set>
+                                    <p:animEffect transition="in" filter="fade">
+                                      <p:cBhvr>
+                                        <p:cTn id="13" dur="500"/>
+                                        <p:tgtEl>
+                                          <p:spTgt spid="4">
+                                            <p:txEl>
+                                              <p:pRg st="2" end="2"/>
+                                            </p:txEl>
+                                          </p:spTgt>
+                                        </p:tgtEl>
+                                      </p:cBhvr>
+                                    </p:animEffect>
+                                  </p:childTnLst>
+                                </p:cTn>
+                              </p:par>
+                              <p:par>
+                                <p:cTn id="14" presetID="10" presetClass="entr" presetSubtype="0" fill="hold" grpId="0" nodeType="withEffect">
+                                  <p:stCondLst>
+                                    <p:cond delay="0"/>
+                                  </p:stCondLst>
+                                  <p:childTnLst>
+                                    <p:set>
+                                      <p:cBhvr>
+                                        <p:cTn id="15" dur="1" fill="hold">
+                                          <p:stCondLst>
+                                            <p:cond delay="0"/>
+                                          </p:stCondLst>
+                                        </p:cTn>
+                                        <p:tgtEl>
+                                          <p:spTgt spid="4">
+                                            <p:txEl>
+                                              <p:pRg st="3" end="3"/>
+                                            </p:txEl>
+                                          </p:spTgt>
+                                        </p:tgtEl>
+                                        <p:attrNameLst>
+                                          <p:attrName>style.visibility</p:attrName>
+                                        </p:attrNameLst>
+                                      </p:cBhvr>
+                                      <p:to>
+                                        <p:strVal val="visible"/>
+                                      </p:to>
+                                    </p:set>
+                                    <p:animEffect transition="in" filter="fade">
+                                      <p:cBhvr>
+                                        <p:cTn id="16" dur="500"/>
+                                        <p:tgtEl>
+                                          <p:spTgt spid="4">
+                                            <p:txEl>
+                                              <p:pRg st="3" end="3"/>
+                                            </p:txEl>
+                                          </p:spTgt>
+                                        </p:tgtEl>
+                                      </p:cBhvr>
+                                    </p:animEffect>
+                                  </p:childTnLst>
+                                </p:cTn>
+                              </p:par>
+                            </p:childTnLst>
+                          </p:cTn>
+                        </p:par>
+                      </p:childTnLst>
+                    </p:cTn>
+                  </p:par>
+                  <p:par>
+                    <p:cTn id="17" fill="hold">
+                      <p:stCondLst>
+                        <p:cond delay="indefinite"/>
+                      </p:stCondLst>
+                      <p:childTnLst>
+                        <p:par>
+                          <p:cTn id="18" fill="hold">
+                            <p:stCondLst>
+                              <p:cond delay="0"/>
+                            </p:stCondLst>
+                            <p:childTnLst>
+                              <p:par>
+                                <p:cTn id="19" presetID="10" presetClass="entr" presetSubtype="0" fill="hold" grpId="0" nodeType="clickEffect">
+                                  <p:stCondLst>
+                                    <p:cond delay="0"/>
+                                  </p:stCondLst>
+                                  <p:childTnLst>
+                                    <p:set>
+                                      <p:cBhvr>
+                                        <p:cTn id="20" dur="1" fill="hold">
+                                          <p:stCondLst>
+                                            <p:cond delay="0"/>
+                                          </p:stCondLst>
+                                        </p:cTn>
+                                        <p:tgtEl>
+                                          <p:spTgt spid="4">
+                                            <p:txEl>
+                                              <p:pRg st="4" end="4"/>
+                                            </p:txEl>
+                                          </p:spTgt>
+                                        </p:tgtEl>
+                                        <p:attrNameLst>
+                                          <p:attrName>style.visibility</p:attrName>
+                                        </p:attrNameLst>
+                                      </p:cBhvr>
+                                      <p:to>
+                                        <p:strVal val="visible"/>
+                                      </p:to>
+                                    </p:set>
+                                    <p:animEffect transition="in" filter="fade">
+                                      <p:cBhvr>
+                                        <p:cTn id="21" dur="500"/>
+                                        <p:tgtEl>
+                                          <p:spTgt spid="4">
+                                            <p:txEl>
+                                              <p:pRg st="4" end="4"/>
+                                            </p:txEl>
+                                          </p:spTgt>
+                                        </p:tgtEl>
+                                      </p:cBhvr>
+                                    </p:animEffect>
+                                  </p:childTnLst>
+                                </p:cTn>
+                              </p:par>
+                              <p:par>
+                                <p:cTn id="22" presetID="10" presetClass="entr" presetSubtype="0" fill="hold" grpId="0" nodeType="withEffect">
+                                  <p:stCondLst>
+                                    <p:cond delay="0"/>
+                                  </p:stCondLst>
+                                  <p:childTnLst>
+                                    <p:set>
+                                      <p:cBhvr>
+                                        <p:cTn id="23" dur="1" fill="hold">
+                                          <p:stCondLst>
+                                            <p:cond delay="0"/>
+                                          </p:stCondLst>
+                                        </p:cTn>
+                                        <p:tgtEl>
+                                          <p:spTgt spid="4">
+                                            <p:txEl>
+                                              <p:pRg st="5" end="5"/>
+                                            </p:txEl>
+                                          </p:spTgt>
+                                        </p:tgtEl>
+                                        <p:attrNameLst>
+                                          <p:attrName>style.visibility</p:attrName>
+                                        </p:attrNameLst>
+                                      </p:cBhvr>
+                                      <p:to>
+                                        <p:strVal val="visible"/>
+                                      </p:to>
+                                    </p:set>
+                                    <p:animEffect transition="in" filter="fade">
+                                      <p:cBhvr>
+                                        <p:cTn id="24" dur="500"/>
+                                        <p:tgtEl>
+                                          <p:spTgt spid="4">
+                                            <p:txEl>
+                                              <p:pRg st="5" end="5"/>
+                                            </p:txEl>
+                                          </p:spTgt>
+                                        </p:tgtEl>
+                                      </p:cBhvr>
+                                    </p:animEffect>
+                                  </p:childTnLst>
+                                </p:cTn>
+                              </p:par>
+                              <p:par>
+                                <p:cTn id="25" presetID="10" presetClass="entr" presetSubtype="0" fill="hold" grpId="0" nodeType="withEffect">
+                                  <p:stCondLst>
+                                    <p:cond delay="0"/>
+                                  </p:stCondLst>
+                                  <p:childTnLst>
+                                    <p:set>
+                                      <p:cBhvr>
+                                        <p:cTn id="26" dur="1" fill="hold">
+                                          <p:stCondLst>
+                                            <p:cond delay="0"/>
+                                          </p:stCondLst>
+                                        </p:cTn>
+                                        <p:tgtEl>
+                                          <p:spTgt spid="4">
+                                            <p:txEl>
+                                              <p:pRg st="6" end="6"/>
+                                            </p:txEl>
+                                          </p:spTgt>
+                                        </p:tgtEl>
+                                        <p:attrNameLst>
+                                          <p:attrName>style.visibility</p:attrName>
+                                        </p:attrNameLst>
+                                      </p:cBhvr>
+                                      <p:to>
+                                        <p:strVal val="visible"/>
+                                      </p:to>
+                                    </p:set>
+                                    <p:animEffect transition="in" filter="fade">
+                                      <p:cBhvr>
+                                        <p:cTn id="27" dur="500"/>
+                                        <p:tgtEl>
+                                          <p:spTgt spid="4">
+                                            <p:txEl>
+                                              <p:pRg st="6" end="6"/>
+                                            </p:txEl>
+                                          </p:spTgt>
+                                        </p:tgtEl>
+                                      </p:cBhvr>
+                                    </p:animEffect>
+                                  </p:childTnLst>
+                                </p:cTn>
+                              </p:par>
+                            </p:childTnLst>
+                          </p:cTn>
+                        </p:par>
+                      </p:childTnLst>
+                    </p:cTn>
+                  </p:par>
+                </p:childTnLst>
+              </p:cTn>
+              <p:prevCondLst>
+                <p:cond evt="onPrev" delay="0">
+                  <p:tgtEl>
+                    <p:sldTgt/>
+                  </p:tgtEl>
+                </p:cond>
+              </p:prevCondLst>
+              <p:nextCondLst>
+                <p:cond evt="onNext" delay="0">
+                  <p:tgtEl>
+                    <p:sldTgt/>
+                  </p:tgtEl>
+                </p:cond>
+              </p:nextCondLst>
+            </p:seq>
+          </p:childTnLst>
+        </p:cTn>
       </p:par>
     </p:tnLst>
+    <p:bldLst>
+      <p:bldP spid="4" grpId="0" build="p"/>
+    </p:bldLst>
   </p:timing>
 </p:sld>
 </file>
@@ -11997,41 +14771,47 @@
               <a:t>Class</a:t>
             </a:r>
             <a:r>
+              <a:rPr lang="ru-RU" sz="1300" b="1" dirty="0">
+                <a:solidFill>
+                  <a:srgbClr val="FF0000"/>
+                </a:solidFill>
+                <a:latin typeface="Courier New" pitchFamily="49" charset="0"/>
+              </a:rPr>
+              <a:t>&amp; </a:t>
+            </a:r>
+            <a:r>
               <a:rPr lang="ru-RU" sz="1300" b="1" dirty="0" err="1">
                 <a:solidFill>
                   <a:srgbClr val="FF0000"/>
                 </a:solidFill>
                 <a:latin typeface="Courier New" pitchFamily="49" charset="0"/>
               </a:rPr>
-              <a:t>&amp;</a:t>
-            </a:r>
-            <a:r>
-              <a:rPr lang="ru-RU" sz="1300" b="1" dirty="0">
+              <a:t>operator</a:t>
+            </a:r>
+            <a:r>
+              <a:rPr lang="ru-RU" sz="1300" b="1" dirty="0" smtClean="0">
                 <a:solidFill>
                   <a:srgbClr val="FF0000"/>
                 </a:solidFill>
                 <a:latin typeface="Courier New" pitchFamily="49" charset="0"/>
               </a:rPr>
-              <a:t> </a:t>
-            </a:r>
-            <a:r>
-              <a:rPr lang="ru-RU" sz="1300" b="1" dirty="0" err="1">
+              <a:t>*() </a:t>
+            </a:r>
+            <a:r>
+              <a:rPr lang="en-US" sz="1300" b="1" smtClean="0">
                 <a:solidFill>
                   <a:srgbClr val="FF0000"/>
                 </a:solidFill>
                 <a:latin typeface="Courier New" pitchFamily="49" charset="0"/>
               </a:rPr>
-              <a:t>operator</a:t>
-            </a:r>
-            <a:r>
-              <a:rPr lang="ru-RU" sz="1300" b="1" dirty="0">
-                <a:solidFill>
-                  <a:srgbClr val="FF0000"/>
-                </a:solidFill>
-                <a:latin typeface="Courier New" pitchFamily="49" charset="0"/>
-              </a:rPr>
-              <a:t>*()</a:t>
-            </a:r>
+              <a:t>const</a:t>
+            </a:r>
+            <a:endParaRPr lang="ru-RU" sz="1300" b="1" dirty="0">
+              <a:solidFill>
+                <a:srgbClr val="FF0000"/>
+              </a:solidFill>
+              <a:latin typeface="Courier New" pitchFamily="49" charset="0"/>
+            </a:endParaRPr>
           </a:p>
           <a:p>
             <a:pPr>
@@ -13139,7 +15919,7 @@
         <p:spPr/>
         <p:txBody>
           <a:bodyPr>
-            <a:normAutofit fontScale="92500" lnSpcReduction="10000"/>
+            <a:normAutofit/>
           </a:bodyPr>
           <a:lstStyle/>
           <a:p>
@@ -13153,13 +15933,27 @@
             </a:r>
             <a:r>
               <a:rPr lang="ru-RU" dirty="0" smtClean="0"/>
-              <a:t> содержит шаблонный класс </a:t>
-            </a:r>
-            <a:r>
-              <a:rPr lang="en-US" dirty="0" err="1" smtClean="0">
-                <a:hlinkClick r:id="rId2"/>
-              </a:rPr>
-              <a:t>auto_ptr</a:t>
+              <a:t> содержит </a:t>
+            </a:r>
+            <a:r>
+              <a:rPr lang="ru-RU" dirty="0" smtClean="0"/>
+              <a:t>шаблонн</a:t>
+            </a:r>
+            <a:r>
+              <a:rPr lang="ru-RU" dirty="0" smtClean="0"/>
+              <a:t>ые</a:t>
+            </a:r>
+            <a:r>
+              <a:rPr lang="ru-RU" dirty="0" smtClean="0"/>
+              <a:t> </a:t>
+            </a:r>
+            <a:r>
+              <a:rPr lang="ru-RU" dirty="0" smtClean="0"/>
+              <a:t>класс </a:t>
+            </a:r>
+            <a:r>
+              <a:rPr lang="en-US" dirty="0" err="1" smtClean="0"/>
+              <a:t>unique_ptr</a:t>
             </a:r>
             <a:r>
               <a:rPr lang="en-US" dirty="0" smtClean="0"/>
@@ -13167,35 +15961,24 @@
             </a:r>
             <a:r>
               <a:rPr lang="ru-RU" dirty="0" smtClean="0"/>
-              <a:t>обеспечивающий политику владения объектом в динамической памяти</a:t>
-            </a:r>
-          </a:p>
-          <a:p>
-            <a:pPr lvl="1"/>
+              <a:t>и </a:t>
+            </a:r>
+            <a:r>
+              <a:rPr lang="en-US" dirty="0" err="1" smtClean="0"/>
+              <a:t>shared_ptr</a:t>
+            </a:r>
+            <a:r>
+              <a:rPr lang="en-US" dirty="0" smtClean="0"/>
+              <a:t> </a:t>
+            </a:r>
             <a:r>
               <a:rPr lang="ru-RU" dirty="0" smtClean="0"/>
-              <a:t>Недостаток: нельзя использовать в составе контейнеров </a:t>
-            </a:r>
-            <a:r>
-              <a:rPr lang="en-US" dirty="0" smtClean="0"/>
-              <a:t>STL (</a:t>
+              <a:t>обеспечивающие </a:t>
             </a:r>
             <a:r>
               <a:rPr lang="ru-RU" dirty="0" smtClean="0"/>
-              <a:t>а также во многих других контейнерах)</a:t>
-            </a:r>
-          </a:p>
-          <a:p>
-            <a:pPr lvl="1"/>
-            <a:r>
-              <a:rPr lang="ru-RU" dirty="0" smtClean="0"/>
-              <a:t>Решение: </a:t>
-            </a:r>
-            <a:r>
-              <a:rPr lang="en-US" dirty="0" err="1" smtClean="0"/>
-              <a:t>unique_ptr</a:t>
-            </a:r>
-            <a:endParaRPr lang="ru-RU" dirty="0" smtClean="0"/>
+              <a:t>политику владения объектом в динамической памяти</a:t>
+            </a:r>
           </a:p>
           <a:p>
             <a:r>
@@ -13204,7 +15987,7 @@
             </a:r>
             <a:r>
               <a:rPr lang="en-US" dirty="0" smtClean="0">
-                <a:hlinkClick r:id="rId3"/>
+                <a:hlinkClick r:id="rId2"/>
               </a:rPr>
               <a:t>boost</a:t>
             </a:r>
@@ -13218,7 +16001,7 @@
             </a:r>
             <a:r>
               <a:rPr lang="en-US" dirty="0" err="1" smtClean="0">
-                <a:hlinkClick r:id="rId4"/>
+                <a:hlinkClick r:id="rId3"/>
               </a:rPr>
               <a:t>shared_ptr</a:t>
             </a:r>
@@ -13228,7 +16011,7 @@
             </a:r>
             <a:r>
               <a:rPr lang="en-US" dirty="0" err="1" smtClean="0">
-                <a:hlinkClick r:id="rId5"/>
+                <a:hlinkClick r:id="rId4"/>
               </a:rPr>
               <a:t>scoped_ptr</a:t>
             </a:r>
@@ -13246,7 +16029,7 @@
             </a:r>
             <a:r>
               <a:rPr lang="en-US" dirty="0" err="1" smtClean="0">
-                <a:hlinkClick r:id="rId6"/>
+                <a:hlinkClick r:id="rId5"/>
               </a:rPr>
               <a:t>intrusive_ptr</a:t>
             </a:r>
@@ -28950,7 +31733,7 @@
             </a:r>
           </a:p>
           <a:p>
-            <a:pPr>
+            <a:pPr lvl="1">
               <a:lnSpc>
                 <a:spcPct val="90000"/>
               </a:lnSpc>
